--- a/Task 2(Data Insights)/KPMG Task 2.pptx
+++ b/Task 2(Data Insights)/KPMG Task 2.pptx
@@ -323,6 +323,11 @@
       </a:defRPr>
     </a:lvl9pPr>
   </p:defaultTextStyle>
+  <p:extLst>
+    <p:ext uri="{EFAFB233-063F-42B5-8137-9DF3F51BA10A}">
+      <p15:sldGuideLst xmlns:p15="http://schemas.microsoft.com/office/powerpoint/2012/main"/>
+    </p:ext>
+  </p:extLst>
 </p:presentation>
 </file>
 
@@ -361,7 +366,11 @@
               </a:defRPr>
             </a:pPr>
             <a:r>
-              <a:rPr lang="en-US"/>
+              <a:rPr lang="en-US" dirty="0">
+                <a:latin typeface="Open Sans" panose="020B0606030504020204" pitchFamily="34" charset="0"/>
+                <a:ea typeface="Open Sans" panose="020B0606030504020204" pitchFamily="34" charset="0"/>
+                <a:cs typeface="Open Sans" panose="020B0606030504020204" pitchFamily="34" charset="0"/>
+              </a:rPr>
               <a:t>Bike related Purchases Count based on Age Distribution</a:t>
             </a:r>
           </a:p>
@@ -599,9 +608,9 @@
                     <a:solidFill>
                       <a:schemeClr val="lt1"/>
                     </a:solidFill>
-                    <a:latin typeface="+mn-lt"/>
-                    <a:ea typeface="+mn-ea"/>
-                    <a:cs typeface="+mn-cs"/>
+                    <a:latin typeface="Open Sans" panose="020B0606030504020204" pitchFamily="34" charset="0"/>
+                    <a:ea typeface="Open Sans" panose="020B0606030504020204" pitchFamily="34" charset="0"/>
+                    <a:cs typeface="Open Sans" panose="020B0606030504020204" pitchFamily="34" charset="0"/>
                   </a:defRPr>
                 </a:pPr>
                 <a:endParaRPr lang="en-US"/>
@@ -731,13 +740,17 @@
                     <a:solidFill>
                       <a:schemeClr val="lt1"/>
                     </a:solidFill>
-                    <a:latin typeface="+mn-lt"/>
-                    <a:ea typeface="+mn-ea"/>
-                    <a:cs typeface="+mn-cs"/>
+                    <a:latin typeface="Open Sans" panose="020B0606030504020204" pitchFamily="34" charset="0"/>
+                    <a:ea typeface="Open Sans" panose="020B0606030504020204" pitchFamily="34" charset="0"/>
+                    <a:cs typeface="Open Sans" panose="020B0606030504020204" pitchFamily="34" charset="0"/>
                   </a:defRPr>
                 </a:pPr>
                 <a:r>
-                  <a:rPr lang="en-US"/>
+                  <a:rPr lang="en-US">
+                    <a:latin typeface="Open Sans" panose="020B0606030504020204" pitchFamily="34" charset="0"/>
+                    <a:ea typeface="Open Sans" panose="020B0606030504020204" pitchFamily="34" charset="0"/>
+                    <a:cs typeface="Open Sans" panose="020B0606030504020204" pitchFamily="34" charset="0"/>
+                  </a:rPr>
                   <a:t>Age Distribution</a:t>
                 </a:r>
               </a:p>
@@ -760,9 +773,9 @@
                   <a:solidFill>
                     <a:schemeClr val="lt1"/>
                   </a:solidFill>
-                  <a:latin typeface="+mn-lt"/>
-                  <a:ea typeface="+mn-ea"/>
-                  <a:cs typeface="+mn-cs"/>
+                  <a:latin typeface="Open Sans" panose="020B0606030504020204" pitchFamily="34" charset="0"/>
+                  <a:ea typeface="Open Sans" panose="020B0606030504020204" pitchFamily="34" charset="0"/>
+                  <a:cs typeface="Open Sans" panose="020B0606030504020204" pitchFamily="34" charset="0"/>
                 </a:defRPr>
               </a:pPr>
               <a:endParaRPr lang="en-US"/>
@@ -795,9 +808,9 @@
                 <a:solidFill>
                   <a:schemeClr val="lt1"/>
                 </a:solidFill>
-                <a:latin typeface="+mn-lt"/>
-                <a:ea typeface="+mn-ea"/>
-                <a:cs typeface="+mn-cs"/>
+                <a:latin typeface="Open Sans" panose="020B0606030504020204" pitchFamily="34" charset="0"/>
+                <a:ea typeface="Open Sans" panose="020B0606030504020204" pitchFamily="34" charset="0"/>
+                <a:cs typeface="Open Sans" panose="020B0606030504020204" pitchFamily="34" charset="0"/>
               </a:defRPr>
             </a:pPr>
             <a:endParaRPr lang="en-US"/>
@@ -828,13 +841,17 @@
                     <a:solidFill>
                       <a:schemeClr val="lt1"/>
                     </a:solidFill>
-                    <a:latin typeface="+mn-lt"/>
-                    <a:ea typeface="+mn-ea"/>
-                    <a:cs typeface="+mn-cs"/>
+                    <a:latin typeface="Open Sans" panose="020B0606030504020204" pitchFamily="34" charset="0"/>
+                    <a:ea typeface="Open Sans" panose="020B0606030504020204" pitchFamily="34" charset="0"/>
+                    <a:cs typeface="Open Sans" panose="020B0606030504020204" pitchFamily="34" charset="0"/>
                   </a:defRPr>
                 </a:pPr>
                 <a:r>
-                  <a:rPr lang="en-US"/>
+                  <a:rPr lang="en-US">
+                    <a:latin typeface="Open Sans" panose="020B0606030504020204" pitchFamily="34" charset="0"/>
+                    <a:ea typeface="Open Sans" panose="020B0606030504020204" pitchFamily="34" charset="0"/>
+                    <a:cs typeface="Open Sans" panose="020B0606030504020204" pitchFamily="34" charset="0"/>
+                  </a:rPr>
                   <a:t>Bike related Purchases Count</a:t>
                 </a:r>
               </a:p>
@@ -857,9 +874,9 @@
                   <a:solidFill>
                     <a:schemeClr val="lt1"/>
                   </a:solidFill>
-                  <a:latin typeface="+mn-lt"/>
-                  <a:ea typeface="+mn-ea"/>
-                  <a:cs typeface="+mn-cs"/>
+                  <a:latin typeface="Open Sans" panose="020B0606030504020204" pitchFamily="34" charset="0"/>
+                  <a:ea typeface="Open Sans" panose="020B0606030504020204" pitchFamily="34" charset="0"/>
+                  <a:cs typeface="Open Sans" panose="020B0606030504020204" pitchFamily="34" charset="0"/>
                 </a:defRPr>
               </a:pPr>
               <a:endParaRPr lang="en-US"/>
@@ -974,9 +991,9 @@
                 <a:solidFill>
                   <a:schemeClr val="lt1"/>
                 </a:solidFill>
-                <a:latin typeface="+mn-lt"/>
-                <a:ea typeface="+mn-ea"/>
-                <a:cs typeface="+mn-cs"/>
+                <a:latin typeface="Open Sans" panose="020B0606030504020204" pitchFamily="34" charset="0"/>
+                <a:ea typeface="Open Sans" panose="020B0606030504020204" pitchFamily="34" charset="0"/>
+                <a:cs typeface="Open Sans" panose="020B0606030504020204" pitchFamily="34" charset="0"/>
               </a:defRPr>
             </a:pPr>
             <a:r>
@@ -1003,9 +1020,9 @@
               <a:solidFill>
                 <a:schemeClr val="lt1"/>
               </a:solidFill>
-              <a:latin typeface="+mn-lt"/>
-              <a:ea typeface="+mn-ea"/>
-              <a:cs typeface="+mn-cs"/>
+              <a:latin typeface="Open Sans" panose="020B0606030504020204" pitchFamily="34" charset="0"/>
+              <a:ea typeface="Open Sans" panose="020B0606030504020204" pitchFamily="34" charset="0"/>
+              <a:cs typeface="Open Sans" panose="020B0606030504020204" pitchFamily="34" charset="0"/>
             </a:defRPr>
           </a:pPr>
           <a:endParaRPr lang="en-US"/>
@@ -1218,9 +1235,9 @@
                     <a:solidFill>
                       <a:schemeClr val="lt1"/>
                     </a:solidFill>
-                    <a:latin typeface="+mn-lt"/>
-                    <a:ea typeface="+mn-ea"/>
-                    <a:cs typeface="+mn-cs"/>
+                    <a:latin typeface="Open Sans" panose="020B0606030504020204" pitchFamily="34" charset="0"/>
+                    <a:ea typeface="Open Sans" panose="020B0606030504020204" pitchFamily="34" charset="0"/>
+                    <a:cs typeface="Open Sans" panose="020B0606030504020204" pitchFamily="34" charset="0"/>
                   </a:defRPr>
                 </a:pPr>
                 <a:endParaRPr lang="en-US"/>
@@ -1362,9 +1379,9 @@
                     <a:solidFill>
                       <a:schemeClr val="lt1"/>
                     </a:solidFill>
-                    <a:latin typeface="+mn-lt"/>
-                    <a:ea typeface="+mn-ea"/>
-                    <a:cs typeface="+mn-cs"/>
+                    <a:latin typeface="Open Sans" panose="020B0606030504020204" pitchFamily="34" charset="0"/>
+                    <a:ea typeface="Open Sans" panose="020B0606030504020204" pitchFamily="34" charset="0"/>
+                    <a:cs typeface="Open Sans" panose="020B0606030504020204" pitchFamily="34" charset="0"/>
                   </a:defRPr>
                 </a:pPr>
                 <a:r>
@@ -1391,9 +1408,9 @@
                   <a:solidFill>
                     <a:schemeClr val="lt1"/>
                   </a:solidFill>
-                  <a:latin typeface="+mn-lt"/>
-                  <a:ea typeface="+mn-ea"/>
-                  <a:cs typeface="+mn-cs"/>
+                  <a:latin typeface="Open Sans" panose="020B0606030504020204" pitchFamily="34" charset="0"/>
+                  <a:ea typeface="Open Sans" panose="020B0606030504020204" pitchFamily="34" charset="0"/>
+                  <a:cs typeface="Open Sans" panose="020B0606030504020204" pitchFamily="34" charset="0"/>
                 </a:defRPr>
               </a:pPr>
               <a:endParaRPr lang="en-US"/>
@@ -1426,9 +1443,9 @@
                 <a:solidFill>
                   <a:schemeClr val="lt1"/>
                 </a:solidFill>
-                <a:latin typeface="+mn-lt"/>
-                <a:ea typeface="+mn-ea"/>
-                <a:cs typeface="+mn-cs"/>
+                <a:latin typeface="Open Sans" panose="020B0606030504020204" pitchFamily="34" charset="0"/>
+                <a:ea typeface="Open Sans" panose="020B0606030504020204" pitchFamily="34" charset="0"/>
+                <a:cs typeface="Open Sans" panose="020B0606030504020204" pitchFamily="34" charset="0"/>
               </a:defRPr>
             </a:pPr>
             <a:endParaRPr lang="en-US"/>
@@ -1459,20 +1476,15 @@
                     <a:solidFill>
                       <a:schemeClr val="lt1"/>
                     </a:solidFill>
-                    <a:latin typeface="+mn-lt"/>
-                    <a:ea typeface="+mn-ea"/>
-                    <a:cs typeface="+mn-cs"/>
+                    <a:latin typeface="Open Sans" panose="020B0606030504020204" pitchFamily="34" charset="0"/>
+                    <a:ea typeface="Open Sans" panose="020B0606030504020204" pitchFamily="34" charset="0"/>
+                    <a:cs typeface="Open Sans" panose="020B0606030504020204" pitchFamily="34" charset="0"/>
                   </a:defRPr>
                 </a:pPr>
                 <a:r>
-                  <a:rPr lang="en-US" sz="800" b="0" i="0" u="none" strike="noStrike" kern="1200" baseline="0" dirty="0">
-                    <a:solidFill>
-                      <a:srgbClr val="FFFFFF"/>
-                    </a:solidFill>
-                  </a:rPr>
+                  <a:rPr lang="en-US"/>
                   <a:t>Profit</a:t>
                 </a:r>
-                <a:endParaRPr lang="en-US"/>
               </a:p>
             </c:rich>
           </c:tx>
@@ -1493,9 +1505,9 @@
                   <a:solidFill>
                     <a:schemeClr val="lt1"/>
                   </a:solidFill>
-                  <a:latin typeface="+mn-lt"/>
-                  <a:ea typeface="+mn-ea"/>
-                  <a:cs typeface="+mn-cs"/>
+                  <a:latin typeface="Open Sans" panose="020B0606030504020204" pitchFamily="34" charset="0"/>
+                  <a:ea typeface="Open Sans" panose="020B0606030504020204" pitchFamily="34" charset="0"/>
+                  <a:cs typeface="Open Sans" panose="020B0606030504020204" pitchFamily="34" charset="0"/>
                 </a:defRPr>
               </a:pPr>
               <a:endParaRPr lang="en-US"/>
@@ -1553,9 +1565,9 @@
           <a:solidFill>
             <a:schemeClr val="lt1"/>
           </a:solidFill>
-          <a:latin typeface="+mn-lt"/>
-          <a:ea typeface="+mn-ea"/>
-          <a:cs typeface="+mn-cs"/>
+          <a:latin typeface="Open Sans" panose="020B0606030504020204" pitchFamily="34" charset="0"/>
+          <a:ea typeface="Open Sans" panose="020B0606030504020204" pitchFamily="34" charset="0"/>
+          <a:cs typeface="Open Sans" panose="020B0606030504020204" pitchFamily="34" charset="0"/>
         </a:defRPr>
       </a:pPr>
       <a:endParaRPr lang="en-US"/>
@@ -1610,9 +1622,9 @@
                 <a:solidFill>
                   <a:schemeClr val="lt1"/>
                 </a:solidFill>
-                <a:latin typeface="+mn-lt"/>
-                <a:ea typeface="+mn-ea"/>
-                <a:cs typeface="+mn-cs"/>
+                <a:latin typeface="Open Sans" panose="020B0606030504020204" pitchFamily="34" charset="0"/>
+                <a:ea typeface="Open Sans" panose="020B0606030504020204" pitchFamily="34" charset="0"/>
+                <a:cs typeface="Open Sans" panose="020B0606030504020204" pitchFamily="34" charset="0"/>
               </a:defRPr>
             </a:pPr>
             <a:r>
@@ -1639,9 +1651,9 @@
               <a:solidFill>
                 <a:schemeClr val="lt1"/>
               </a:solidFill>
-              <a:latin typeface="+mn-lt"/>
-              <a:ea typeface="+mn-ea"/>
-              <a:cs typeface="+mn-cs"/>
+              <a:latin typeface="Open Sans" panose="020B0606030504020204" pitchFamily="34" charset="0"/>
+              <a:ea typeface="Open Sans" panose="020B0606030504020204" pitchFamily="34" charset="0"/>
+              <a:cs typeface="Open Sans" panose="020B0606030504020204" pitchFamily="34" charset="0"/>
             </a:defRPr>
           </a:pPr>
           <a:endParaRPr lang="en-US"/>
@@ -2420,9 +2432,9 @@
                     <a:solidFill>
                       <a:schemeClr val="lt1"/>
                     </a:solidFill>
-                    <a:latin typeface="+mn-lt"/>
-                    <a:ea typeface="+mn-ea"/>
-                    <a:cs typeface="+mn-cs"/>
+                    <a:latin typeface="Open Sans" panose="020B0606030504020204" pitchFamily="34" charset="0"/>
+                    <a:ea typeface="Open Sans" panose="020B0606030504020204" pitchFamily="34" charset="0"/>
+                    <a:cs typeface="Open Sans" panose="020B0606030504020204" pitchFamily="34" charset="0"/>
                   </a:defRPr>
                 </a:pPr>
                 <a:r>
@@ -2449,9 +2461,9 @@
                   <a:solidFill>
                     <a:schemeClr val="lt1"/>
                   </a:solidFill>
-                  <a:latin typeface="+mn-lt"/>
-                  <a:ea typeface="+mn-ea"/>
-                  <a:cs typeface="+mn-cs"/>
+                  <a:latin typeface="Open Sans" panose="020B0606030504020204" pitchFamily="34" charset="0"/>
+                  <a:ea typeface="Open Sans" panose="020B0606030504020204" pitchFamily="34" charset="0"/>
+                  <a:cs typeface="Open Sans" panose="020B0606030504020204" pitchFamily="34" charset="0"/>
                 </a:defRPr>
               </a:pPr>
               <a:endParaRPr lang="en-US"/>
@@ -2484,9 +2496,9 @@
                 <a:solidFill>
                   <a:schemeClr val="lt1"/>
                 </a:solidFill>
-                <a:latin typeface="+mn-lt"/>
-                <a:ea typeface="+mn-ea"/>
-                <a:cs typeface="+mn-cs"/>
+                <a:latin typeface="Open Sans" panose="020B0606030504020204" pitchFamily="34" charset="0"/>
+                <a:ea typeface="Open Sans" panose="020B0606030504020204" pitchFamily="34" charset="0"/>
+                <a:cs typeface="Open Sans" panose="020B0606030504020204" pitchFamily="34" charset="0"/>
               </a:defRPr>
             </a:pPr>
             <a:endParaRPr lang="en-US"/>
@@ -2517,9 +2529,9 @@
                     <a:solidFill>
                       <a:schemeClr val="lt1"/>
                     </a:solidFill>
-                    <a:latin typeface="+mn-lt"/>
-                    <a:ea typeface="+mn-ea"/>
-                    <a:cs typeface="+mn-cs"/>
+                    <a:latin typeface="Open Sans" panose="020B0606030504020204" pitchFamily="34" charset="0"/>
+                    <a:ea typeface="Open Sans" panose="020B0606030504020204" pitchFamily="34" charset="0"/>
+                    <a:cs typeface="Open Sans" panose="020B0606030504020204" pitchFamily="34" charset="0"/>
                   </a:defRPr>
                 </a:pPr>
                 <a:r>
@@ -2546,9 +2558,9 @@
                   <a:solidFill>
                     <a:schemeClr val="lt1"/>
                   </a:solidFill>
-                  <a:latin typeface="+mn-lt"/>
-                  <a:ea typeface="+mn-ea"/>
-                  <a:cs typeface="+mn-cs"/>
+                  <a:latin typeface="Open Sans" panose="020B0606030504020204" pitchFamily="34" charset="0"/>
+                  <a:ea typeface="Open Sans" panose="020B0606030504020204" pitchFamily="34" charset="0"/>
+                  <a:cs typeface="Open Sans" panose="020B0606030504020204" pitchFamily="34" charset="0"/>
                 </a:defRPr>
               </a:pPr>
               <a:endParaRPr lang="en-US"/>
@@ -2575,9 +2587,9 @@
                 <a:solidFill>
                   <a:schemeClr val="lt1"/>
                 </a:solidFill>
-                <a:latin typeface="+mn-lt"/>
-                <a:ea typeface="+mn-ea"/>
-                <a:cs typeface="+mn-cs"/>
+                <a:latin typeface="Open Sans" panose="020B0606030504020204" pitchFamily="34" charset="0"/>
+                <a:ea typeface="Open Sans" panose="020B0606030504020204" pitchFamily="34" charset="0"/>
+                <a:cs typeface="Open Sans" panose="020B0606030504020204" pitchFamily="34" charset="0"/>
               </a:defRPr>
             </a:pPr>
             <a:endParaRPr lang="en-US"/>
@@ -2614,9 +2626,9 @@
               <a:solidFill>
                 <a:schemeClr val="lt1"/>
               </a:solidFill>
-              <a:latin typeface="+mn-lt"/>
-              <a:ea typeface="+mn-ea"/>
-              <a:cs typeface="+mn-cs"/>
+              <a:latin typeface="Open Sans" panose="020B0606030504020204" pitchFamily="34" charset="0"/>
+              <a:ea typeface="Open Sans" panose="020B0606030504020204" pitchFamily="34" charset="0"/>
+              <a:cs typeface="Open Sans" panose="020B0606030504020204" pitchFamily="34" charset="0"/>
             </a:defRPr>
           </a:pPr>
           <a:endParaRPr lang="en-US"/>
@@ -2658,9 +2670,9 @@
           <a:solidFill>
             <a:schemeClr val="lt1"/>
           </a:solidFill>
-          <a:latin typeface="+mn-lt"/>
-          <a:ea typeface="+mn-ea"/>
-          <a:cs typeface="+mn-cs"/>
+          <a:latin typeface="Open Sans" panose="020B0606030504020204" pitchFamily="34" charset="0"/>
+          <a:ea typeface="Open Sans" panose="020B0606030504020204" pitchFamily="34" charset="0"/>
+          <a:cs typeface="Open Sans" panose="020B0606030504020204" pitchFamily="34" charset="0"/>
         </a:defRPr>
       </a:pPr>
       <a:endParaRPr lang="en-US"/>
@@ -2716,9 +2728,9 @@
                 <a:solidFill>
                   <a:schemeClr val="lt1"/>
                 </a:solidFill>
-                <a:latin typeface="+mn-lt"/>
-                <a:ea typeface="+mn-ea"/>
-                <a:cs typeface="+mn-cs"/>
+                <a:latin typeface="Open Sans" panose="020B0606030504020204" pitchFamily="34" charset="0"/>
+                <a:ea typeface="Open Sans" panose="020B0606030504020204" pitchFamily="34" charset="0"/>
+                <a:cs typeface="Open Sans" panose="020B0606030504020204" pitchFamily="34" charset="0"/>
               </a:defRPr>
             </a:pPr>
             <a:r>
@@ -2745,9 +2757,9 @@
               <a:solidFill>
                 <a:schemeClr val="lt1"/>
               </a:solidFill>
-              <a:latin typeface="+mn-lt"/>
-              <a:ea typeface="+mn-ea"/>
-              <a:cs typeface="+mn-cs"/>
+              <a:latin typeface="Open Sans" panose="020B0606030504020204" pitchFamily="34" charset="0"/>
+              <a:ea typeface="Open Sans" panose="020B0606030504020204" pitchFamily="34" charset="0"/>
+              <a:cs typeface="Open Sans" panose="020B0606030504020204" pitchFamily="34" charset="0"/>
             </a:defRPr>
           </a:pPr>
           <a:endParaRPr lang="en-US"/>
@@ -2960,9 +2972,9 @@
                     <a:solidFill>
                       <a:schemeClr val="lt1"/>
                     </a:solidFill>
-                    <a:latin typeface="+mn-lt"/>
-                    <a:ea typeface="+mn-ea"/>
-                    <a:cs typeface="+mn-cs"/>
+                    <a:latin typeface="Open Sans" panose="020B0606030504020204" pitchFamily="34" charset="0"/>
+                    <a:ea typeface="Open Sans" panose="020B0606030504020204" pitchFamily="34" charset="0"/>
+                    <a:cs typeface="Open Sans" panose="020B0606030504020204" pitchFamily="34" charset="0"/>
                   </a:defRPr>
                 </a:pPr>
                 <a:endParaRPr lang="en-US"/>
@@ -3068,9 +3080,9 @@
                     <a:solidFill>
                       <a:schemeClr val="lt1"/>
                     </a:solidFill>
-                    <a:latin typeface="+mn-lt"/>
-                    <a:ea typeface="+mn-ea"/>
-                    <a:cs typeface="+mn-cs"/>
+                    <a:latin typeface="Open Sans" panose="020B0606030504020204" pitchFamily="34" charset="0"/>
+                    <a:ea typeface="Open Sans" panose="020B0606030504020204" pitchFamily="34" charset="0"/>
+                    <a:cs typeface="Open Sans" panose="020B0606030504020204" pitchFamily="34" charset="0"/>
                   </a:defRPr>
                 </a:pPr>
                 <a:r>
@@ -3097,9 +3109,9 @@
                   <a:solidFill>
                     <a:schemeClr val="lt1"/>
                   </a:solidFill>
-                  <a:latin typeface="+mn-lt"/>
-                  <a:ea typeface="+mn-ea"/>
-                  <a:cs typeface="+mn-cs"/>
+                  <a:latin typeface="Open Sans" panose="020B0606030504020204" pitchFamily="34" charset="0"/>
+                  <a:ea typeface="Open Sans" panose="020B0606030504020204" pitchFamily="34" charset="0"/>
+                  <a:cs typeface="Open Sans" panose="020B0606030504020204" pitchFamily="34" charset="0"/>
                 </a:defRPr>
               </a:pPr>
               <a:endParaRPr lang="en-US"/>
@@ -3132,9 +3144,9 @@
                 <a:solidFill>
                   <a:schemeClr val="lt1"/>
                 </a:solidFill>
-                <a:latin typeface="+mn-lt"/>
-                <a:ea typeface="+mn-ea"/>
-                <a:cs typeface="+mn-cs"/>
+                <a:latin typeface="Open Sans" panose="020B0606030504020204" pitchFamily="34" charset="0"/>
+                <a:ea typeface="Open Sans" panose="020B0606030504020204" pitchFamily="34" charset="0"/>
+                <a:cs typeface="Open Sans" panose="020B0606030504020204" pitchFamily="34" charset="0"/>
               </a:defRPr>
             </a:pPr>
             <a:endParaRPr lang="en-US"/>
@@ -3165,9 +3177,9 @@
                     <a:solidFill>
                       <a:schemeClr val="lt1"/>
                     </a:solidFill>
-                    <a:latin typeface="+mn-lt"/>
-                    <a:ea typeface="+mn-ea"/>
-                    <a:cs typeface="+mn-cs"/>
+                    <a:latin typeface="Open Sans" panose="020B0606030504020204" pitchFamily="34" charset="0"/>
+                    <a:ea typeface="Open Sans" panose="020B0606030504020204" pitchFamily="34" charset="0"/>
+                    <a:cs typeface="Open Sans" panose="020B0606030504020204" pitchFamily="34" charset="0"/>
                   </a:defRPr>
                 </a:pPr>
                 <a:r>
@@ -3194,9 +3206,9 @@
                   <a:solidFill>
                     <a:schemeClr val="lt1"/>
                   </a:solidFill>
-                  <a:latin typeface="+mn-lt"/>
-                  <a:ea typeface="+mn-ea"/>
-                  <a:cs typeface="+mn-cs"/>
+                  <a:latin typeface="Open Sans" panose="020B0606030504020204" pitchFamily="34" charset="0"/>
+                  <a:ea typeface="Open Sans" panose="020B0606030504020204" pitchFamily="34" charset="0"/>
+                  <a:cs typeface="Open Sans" panose="020B0606030504020204" pitchFamily="34" charset="0"/>
                 </a:defRPr>
               </a:pPr>
               <a:endParaRPr lang="en-US"/>
@@ -3254,9 +3266,9 @@
           <a:solidFill>
             <a:schemeClr val="lt1"/>
           </a:solidFill>
-          <a:latin typeface="+mn-lt"/>
-          <a:ea typeface="+mn-ea"/>
-          <a:cs typeface="+mn-cs"/>
+          <a:latin typeface="Open Sans" panose="020B0606030504020204" pitchFamily="34" charset="0"/>
+          <a:ea typeface="Open Sans" panose="020B0606030504020204" pitchFamily="34" charset="0"/>
+          <a:cs typeface="Open Sans" panose="020B0606030504020204" pitchFamily="34" charset="0"/>
         </a:defRPr>
       </a:pPr>
       <a:endParaRPr lang="en-US"/>
@@ -3311,9 +3323,9 @@
                 <a:solidFill>
                   <a:schemeClr val="lt1"/>
                 </a:solidFill>
-                <a:latin typeface="+mn-lt"/>
-                <a:ea typeface="+mn-ea"/>
-                <a:cs typeface="+mn-cs"/>
+                <a:latin typeface="Open Sans" panose="020B0606030504020204" pitchFamily="34" charset="0"/>
+                <a:ea typeface="Open Sans" panose="020B0606030504020204" pitchFamily="34" charset="0"/>
+                <a:cs typeface="Open Sans" panose="020B0606030504020204" pitchFamily="34" charset="0"/>
               </a:defRPr>
             </a:pPr>
             <a:r>
@@ -3340,9 +3352,9 @@
               <a:solidFill>
                 <a:schemeClr val="lt1"/>
               </a:solidFill>
-              <a:latin typeface="+mn-lt"/>
-              <a:ea typeface="+mn-ea"/>
-              <a:cs typeface="+mn-cs"/>
+              <a:latin typeface="Open Sans" panose="020B0606030504020204" pitchFamily="34" charset="0"/>
+              <a:ea typeface="Open Sans" panose="020B0606030504020204" pitchFamily="34" charset="0"/>
+              <a:cs typeface="Open Sans" panose="020B0606030504020204" pitchFamily="34" charset="0"/>
             </a:defRPr>
           </a:pPr>
           <a:endParaRPr lang="en-US"/>
@@ -4036,9 +4048,9 @@
                     <a:solidFill>
                       <a:schemeClr val="lt1"/>
                     </a:solidFill>
-                    <a:latin typeface="+mn-lt"/>
-                    <a:ea typeface="+mn-ea"/>
-                    <a:cs typeface="+mn-cs"/>
+                    <a:latin typeface="Open Sans" panose="020B0606030504020204" pitchFamily="34" charset="0"/>
+                    <a:ea typeface="Open Sans" panose="020B0606030504020204" pitchFamily="34" charset="0"/>
+                    <a:cs typeface="Open Sans" panose="020B0606030504020204" pitchFamily="34" charset="0"/>
                   </a:defRPr>
                 </a:pPr>
                 <a:r>
@@ -4065,9 +4077,9 @@
                   <a:solidFill>
                     <a:schemeClr val="lt1"/>
                   </a:solidFill>
-                  <a:latin typeface="+mn-lt"/>
-                  <a:ea typeface="+mn-ea"/>
-                  <a:cs typeface="+mn-cs"/>
+                  <a:latin typeface="Open Sans" panose="020B0606030504020204" pitchFamily="34" charset="0"/>
+                  <a:ea typeface="Open Sans" panose="020B0606030504020204" pitchFamily="34" charset="0"/>
+                  <a:cs typeface="Open Sans" panose="020B0606030504020204" pitchFamily="34" charset="0"/>
                 </a:defRPr>
               </a:pPr>
               <a:endParaRPr lang="en-US"/>
@@ -4100,9 +4112,9 @@
                 <a:solidFill>
                   <a:schemeClr val="lt1"/>
                 </a:solidFill>
-                <a:latin typeface="+mn-lt"/>
-                <a:ea typeface="+mn-ea"/>
-                <a:cs typeface="+mn-cs"/>
+                <a:latin typeface="Open Sans" panose="020B0606030504020204" pitchFamily="34" charset="0"/>
+                <a:ea typeface="Open Sans" panose="020B0606030504020204" pitchFamily="34" charset="0"/>
+                <a:cs typeface="Open Sans" panose="020B0606030504020204" pitchFamily="34" charset="0"/>
               </a:defRPr>
             </a:pPr>
             <a:endParaRPr lang="en-US"/>
@@ -4133,9 +4145,9 @@
                     <a:solidFill>
                       <a:schemeClr val="lt1"/>
                     </a:solidFill>
-                    <a:latin typeface="+mn-lt"/>
-                    <a:ea typeface="+mn-ea"/>
-                    <a:cs typeface="+mn-cs"/>
+                    <a:latin typeface="Open Sans" panose="020B0606030504020204" pitchFamily="34" charset="0"/>
+                    <a:ea typeface="Open Sans" panose="020B0606030504020204" pitchFamily="34" charset="0"/>
+                    <a:cs typeface="Open Sans" panose="020B0606030504020204" pitchFamily="34" charset="0"/>
                   </a:defRPr>
                 </a:pPr>
                 <a:r>
@@ -4162,9 +4174,9 @@
                   <a:solidFill>
                     <a:schemeClr val="lt1"/>
                   </a:solidFill>
-                  <a:latin typeface="+mn-lt"/>
-                  <a:ea typeface="+mn-ea"/>
-                  <a:cs typeface="+mn-cs"/>
+                  <a:latin typeface="Open Sans" panose="020B0606030504020204" pitchFamily="34" charset="0"/>
+                  <a:ea typeface="Open Sans" panose="020B0606030504020204" pitchFamily="34" charset="0"/>
+                  <a:cs typeface="Open Sans" panose="020B0606030504020204" pitchFamily="34" charset="0"/>
                 </a:defRPr>
               </a:pPr>
               <a:endParaRPr lang="en-US"/>
@@ -4191,9 +4203,9 @@
                 <a:solidFill>
                   <a:schemeClr val="lt1"/>
                 </a:solidFill>
-                <a:latin typeface="+mn-lt"/>
-                <a:ea typeface="+mn-ea"/>
-                <a:cs typeface="+mn-cs"/>
+                <a:latin typeface="Open Sans" panose="020B0606030504020204" pitchFamily="34" charset="0"/>
+                <a:ea typeface="Open Sans" panose="020B0606030504020204" pitchFamily="34" charset="0"/>
+                <a:cs typeface="Open Sans" panose="020B0606030504020204" pitchFamily="34" charset="0"/>
               </a:defRPr>
             </a:pPr>
             <a:endParaRPr lang="en-US"/>
@@ -4230,9 +4242,9 @@
               <a:solidFill>
                 <a:schemeClr val="lt1"/>
               </a:solidFill>
-              <a:latin typeface="+mn-lt"/>
-              <a:ea typeface="+mn-ea"/>
-              <a:cs typeface="+mn-cs"/>
+              <a:latin typeface="Open Sans" panose="020B0606030504020204" pitchFamily="34" charset="0"/>
+              <a:ea typeface="Open Sans" panose="020B0606030504020204" pitchFamily="34" charset="0"/>
+              <a:cs typeface="Open Sans" panose="020B0606030504020204" pitchFamily="34" charset="0"/>
             </a:defRPr>
           </a:pPr>
           <a:endParaRPr lang="en-US"/>
@@ -4274,9 +4286,9 @@
           <a:solidFill>
             <a:schemeClr val="lt1"/>
           </a:solidFill>
-          <a:latin typeface="+mn-lt"/>
-          <a:ea typeface="+mn-ea"/>
-          <a:cs typeface="+mn-cs"/>
+          <a:latin typeface="Open Sans" panose="020B0606030504020204" pitchFamily="34" charset="0"/>
+          <a:ea typeface="Open Sans" panose="020B0606030504020204" pitchFamily="34" charset="0"/>
+          <a:cs typeface="Open Sans" panose="020B0606030504020204" pitchFamily="34" charset="0"/>
         </a:defRPr>
       </a:pPr>
       <a:endParaRPr lang="en-US"/>
@@ -4332,20 +4344,15 @@
                 <a:solidFill>
                   <a:schemeClr val="lt1"/>
                 </a:solidFill>
-                <a:latin typeface="+mn-lt"/>
-                <a:ea typeface="+mn-ea"/>
-                <a:cs typeface="+mn-cs"/>
+                <a:latin typeface="Open Sans" panose="020B0606030504020204" pitchFamily="34" charset="0"/>
+                <a:ea typeface="Open Sans" panose="020B0606030504020204" pitchFamily="34" charset="0"/>
+                <a:cs typeface="Open Sans" panose="020B0606030504020204" pitchFamily="34" charset="0"/>
               </a:defRPr>
             </a:pPr>
             <a:r>
               <a:rPr lang="en-US"/>
-              <a:t>Profit</a:t>
+              <a:t>Profit based on Age Distribution</a:t>
             </a:r>
-            <a:r>
-              <a:rPr lang="en-US" baseline="0"/>
-              <a:t> based on Age Distribution</a:t>
-            </a:r>
-            <a:endParaRPr lang="en-US"/>
           </a:p>
         </c:rich>
       </c:tx>
@@ -4366,9 +4373,9 @@
               <a:solidFill>
                 <a:schemeClr val="lt1"/>
               </a:solidFill>
-              <a:latin typeface="+mn-lt"/>
-              <a:ea typeface="+mn-ea"/>
-              <a:cs typeface="+mn-cs"/>
+              <a:latin typeface="Open Sans" panose="020B0606030504020204" pitchFamily="34" charset="0"/>
+              <a:ea typeface="Open Sans" panose="020B0606030504020204" pitchFamily="34" charset="0"/>
+              <a:cs typeface="Open Sans" panose="020B0606030504020204" pitchFamily="34" charset="0"/>
             </a:defRPr>
           </a:pPr>
           <a:endParaRPr lang="en-US"/>
@@ -4720,9 +4727,9 @@
                     <a:solidFill>
                       <a:schemeClr val="lt1"/>
                     </a:solidFill>
-                    <a:latin typeface="+mn-lt"/>
-                    <a:ea typeface="+mn-ea"/>
-                    <a:cs typeface="+mn-cs"/>
+                    <a:latin typeface="Open Sans" panose="020B0606030504020204" pitchFamily="34" charset="0"/>
+                    <a:ea typeface="Open Sans" panose="020B0606030504020204" pitchFamily="34" charset="0"/>
+                    <a:cs typeface="Open Sans" panose="020B0606030504020204" pitchFamily="34" charset="0"/>
                   </a:defRPr>
                 </a:pPr>
                 <a:r>
@@ -4749,9 +4756,9 @@
                   <a:solidFill>
                     <a:schemeClr val="lt1"/>
                   </a:solidFill>
-                  <a:latin typeface="+mn-lt"/>
-                  <a:ea typeface="+mn-ea"/>
-                  <a:cs typeface="+mn-cs"/>
+                  <a:latin typeface="Open Sans" panose="020B0606030504020204" pitchFamily="34" charset="0"/>
+                  <a:ea typeface="Open Sans" panose="020B0606030504020204" pitchFamily="34" charset="0"/>
+                  <a:cs typeface="Open Sans" panose="020B0606030504020204" pitchFamily="34" charset="0"/>
                 </a:defRPr>
               </a:pPr>
               <a:endParaRPr lang="en-US"/>
@@ -4784,9 +4791,9 @@
                 <a:solidFill>
                   <a:schemeClr val="lt1"/>
                 </a:solidFill>
-                <a:latin typeface="+mn-lt"/>
-                <a:ea typeface="+mn-ea"/>
-                <a:cs typeface="+mn-cs"/>
+                <a:latin typeface="Open Sans" panose="020B0606030504020204" pitchFamily="34" charset="0"/>
+                <a:ea typeface="Open Sans" panose="020B0606030504020204" pitchFamily="34" charset="0"/>
+                <a:cs typeface="Open Sans" panose="020B0606030504020204" pitchFamily="34" charset="0"/>
               </a:defRPr>
             </a:pPr>
             <a:endParaRPr lang="en-US"/>
@@ -4817,9 +4824,9 @@
                     <a:solidFill>
                       <a:schemeClr val="lt1"/>
                     </a:solidFill>
-                    <a:latin typeface="+mn-lt"/>
-                    <a:ea typeface="+mn-ea"/>
-                    <a:cs typeface="+mn-cs"/>
+                    <a:latin typeface="Open Sans" panose="020B0606030504020204" pitchFamily="34" charset="0"/>
+                    <a:ea typeface="Open Sans" panose="020B0606030504020204" pitchFamily="34" charset="0"/>
+                    <a:cs typeface="Open Sans" panose="020B0606030504020204" pitchFamily="34" charset="0"/>
                   </a:defRPr>
                 </a:pPr>
                 <a:r>
@@ -4846,9 +4853,9 @@
                   <a:solidFill>
                     <a:schemeClr val="lt1"/>
                   </a:solidFill>
-                  <a:latin typeface="+mn-lt"/>
-                  <a:ea typeface="+mn-ea"/>
-                  <a:cs typeface="+mn-cs"/>
+                  <a:latin typeface="Open Sans" panose="020B0606030504020204" pitchFamily="34" charset="0"/>
+                  <a:ea typeface="Open Sans" panose="020B0606030504020204" pitchFamily="34" charset="0"/>
+                  <a:cs typeface="Open Sans" panose="020B0606030504020204" pitchFamily="34" charset="0"/>
                 </a:defRPr>
               </a:pPr>
               <a:endParaRPr lang="en-US"/>
@@ -4875,9 +4882,9 @@
                 <a:solidFill>
                   <a:schemeClr val="lt1"/>
                 </a:solidFill>
-                <a:latin typeface="+mn-lt"/>
-                <a:ea typeface="+mn-ea"/>
-                <a:cs typeface="+mn-cs"/>
+                <a:latin typeface="Open Sans" panose="020B0606030504020204" pitchFamily="34" charset="0"/>
+                <a:ea typeface="Open Sans" panose="020B0606030504020204" pitchFamily="34" charset="0"/>
+                <a:cs typeface="Open Sans" panose="020B0606030504020204" pitchFamily="34" charset="0"/>
               </a:defRPr>
             </a:pPr>
             <a:endParaRPr lang="en-US"/>
@@ -4930,9 +4937,9 @@
           <a:solidFill>
             <a:schemeClr val="lt1"/>
           </a:solidFill>
-          <a:latin typeface="+mn-lt"/>
-          <a:ea typeface="+mn-ea"/>
-          <a:cs typeface="+mn-cs"/>
+          <a:latin typeface="Open Sans" panose="020B0606030504020204" pitchFamily="34" charset="0"/>
+          <a:ea typeface="Open Sans" panose="020B0606030504020204" pitchFamily="34" charset="0"/>
+          <a:cs typeface="Open Sans" panose="020B0606030504020204" pitchFamily="34" charset="0"/>
         </a:defRPr>
       </a:pPr>
       <a:endParaRPr lang="en-US"/>
@@ -4987,9 +4994,9 @@
                 <a:solidFill>
                   <a:schemeClr val="lt1"/>
                 </a:solidFill>
-                <a:latin typeface="+mn-lt"/>
-                <a:ea typeface="+mn-ea"/>
-                <a:cs typeface="+mn-cs"/>
+                <a:latin typeface="Open Sans" panose="020B0606030504020204" pitchFamily="34" charset="0"/>
+                <a:ea typeface="Open Sans" panose="020B0606030504020204" pitchFamily="34" charset="0"/>
+                <a:cs typeface="Open Sans" panose="020B0606030504020204" pitchFamily="34" charset="0"/>
               </a:defRPr>
             </a:pPr>
             <a:r>
@@ -5016,9 +5023,9 @@
               <a:solidFill>
                 <a:schemeClr val="lt1"/>
               </a:solidFill>
-              <a:latin typeface="+mn-lt"/>
-              <a:ea typeface="+mn-ea"/>
-              <a:cs typeface="+mn-cs"/>
+              <a:latin typeface="Open Sans" panose="020B0606030504020204" pitchFamily="34" charset="0"/>
+              <a:ea typeface="Open Sans" panose="020B0606030504020204" pitchFamily="34" charset="0"/>
+              <a:cs typeface="Open Sans" panose="020B0606030504020204" pitchFamily="34" charset="0"/>
             </a:defRPr>
           </a:pPr>
           <a:endParaRPr lang="en-US"/>
@@ -5369,9 +5376,9 @@
                     <a:solidFill>
                       <a:schemeClr val="lt1"/>
                     </a:solidFill>
-                    <a:latin typeface="+mn-lt"/>
-                    <a:ea typeface="+mn-ea"/>
-                    <a:cs typeface="+mn-cs"/>
+                    <a:latin typeface="Open Sans" panose="020B0606030504020204" pitchFamily="34" charset="0"/>
+                    <a:ea typeface="Open Sans" panose="020B0606030504020204" pitchFamily="34" charset="0"/>
+                    <a:cs typeface="Open Sans" panose="020B0606030504020204" pitchFamily="34" charset="0"/>
                   </a:defRPr>
                 </a:pPr>
                 <a:endParaRPr lang="en-US"/>
@@ -5483,9 +5490,9 @@
               <a:solidFill>
                 <a:schemeClr val="lt1"/>
               </a:solidFill>
-              <a:latin typeface="+mn-lt"/>
-              <a:ea typeface="+mn-ea"/>
-              <a:cs typeface="+mn-cs"/>
+              <a:latin typeface="Open Sans" panose="020B0606030504020204" pitchFamily="34" charset="0"/>
+              <a:ea typeface="Open Sans" panose="020B0606030504020204" pitchFamily="34" charset="0"/>
+              <a:cs typeface="Open Sans" panose="020B0606030504020204" pitchFamily="34" charset="0"/>
             </a:defRPr>
           </a:pPr>
           <a:endParaRPr lang="en-US"/>
@@ -5527,9 +5534,9 @@
           <a:solidFill>
             <a:schemeClr val="lt1"/>
           </a:solidFill>
-          <a:latin typeface="+mn-lt"/>
-          <a:ea typeface="+mn-ea"/>
-          <a:cs typeface="+mn-cs"/>
+          <a:latin typeface="Open Sans" panose="020B0606030504020204" pitchFamily="34" charset="0"/>
+          <a:ea typeface="Open Sans" panose="020B0606030504020204" pitchFamily="34" charset="0"/>
+          <a:cs typeface="Open Sans" panose="020B0606030504020204" pitchFamily="34" charset="0"/>
         </a:defRPr>
       </a:pPr>
       <a:endParaRPr lang="en-US"/>
@@ -5585,9 +5592,9 @@
                 <a:solidFill>
                   <a:schemeClr val="lt1"/>
                 </a:solidFill>
-                <a:latin typeface="+mn-lt"/>
-                <a:ea typeface="+mn-ea"/>
-                <a:cs typeface="+mn-cs"/>
+                <a:latin typeface="Open Sans" panose="020B0606030504020204" pitchFamily="34" charset="0"/>
+                <a:ea typeface="Open Sans" panose="020B0606030504020204" pitchFamily="34" charset="0"/>
+                <a:cs typeface="Open Sans" panose="020B0606030504020204" pitchFamily="34" charset="0"/>
               </a:defRPr>
             </a:pPr>
             <a:r>
@@ -5614,9 +5621,9 @@
               <a:solidFill>
                 <a:schemeClr val="lt1"/>
               </a:solidFill>
-              <a:latin typeface="+mn-lt"/>
-              <a:ea typeface="+mn-ea"/>
-              <a:cs typeface="+mn-cs"/>
+              <a:latin typeface="Open Sans" panose="020B0606030504020204" pitchFamily="34" charset="0"/>
+              <a:ea typeface="Open Sans" panose="020B0606030504020204" pitchFamily="34" charset="0"/>
+              <a:cs typeface="Open Sans" panose="020B0606030504020204" pitchFamily="34" charset="0"/>
             </a:defRPr>
           </a:pPr>
           <a:endParaRPr lang="en-US"/>
@@ -5829,9 +5836,9 @@
                     <a:solidFill>
                       <a:schemeClr val="lt1"/>
                     </a:solidFill>
-                    <a:latin typeface="+mn-lt"/>
-                    <a:ea typeface="+mn-ea"/>
-                    <a:cs typeface="+mn-cs"/>
+                    <a:latin typeface="Open Sans" panose="020B0606030504020204" pitchFamily="34" charset="0"/>
+                    <a:ea typeface="Open Sans" panose="020B0606030504020204" pitchFamily="34" charset="0"/>
+                    <a:cs typeface="Open Sans" panose="020B0606030504020204" pitchFamily="34" charset="0"/>
                   </a:defRPr>
                 </a:pPr>
                 <a:endParaRPr lang="en-US"/>
@@ -5943,9 +5950,9 @@
                     <a:solidFill>
                       <a:schemeClr val="lt1"/>
                     </a:solidFill>
-                    <a:latin typeface="+mn-lt"/>
-                    <a:ea typeface="+mn-ea"/>
-                    <a:cs typeface="+mn-cs"/>
+                    <a:latin typeface="Open Sans" panose="020B0606030504020204" pitchFamily="34" charset="0"/>
+                    <a:ea typeface="Open Sans" panose="020B0606030504020204" pitchFamily="34" charset="0"/>
+                    <a:cs typeface="Open Sans" panose="020B0606030504020204" pitchFamily="34" charset="0"/>
                   </a:defRPr>
                 </a:pPr>
                 <a:r>
@@ -5972,9 +5979,9 @@
                   <a:solidFill>
                     <a:schemeClr val="lt1"/>
                   </a:solidFill>
-                  <a:latin typeface="+mn-lt"/>
-                  <a:ea typeface="+mn-ea"/>
-                  <a:cs typeface="+mn-cs"/>
+                  <a:latin typeface="Open Sans" panose="020B0606030504020204" pitchFamily="34" charset="0"/>
+                  <a:ea typeface="Open Sans" panose="020B0606030504020204" pitchFamily="34" charset="0"/>
+                  <a:cs typeface="Open Sans" panose="020B0606030504020204" pitchFamily="34" charset="0"/>
                 </a:defRPr>
               </a:pPr>
               <a:endParaRPr lang="en-US"/>
@@ -6007,9 +6014,9 @@
                 <a:solidFill>
                   <a:schemeClr val="lt1"/>
                 </a:solidFill>
-                <a:latin typeface="+mn-lt"/>
-                <a:ea typeface="+mn-ea"/>
-                <a:cs typeface="+mn-cs"/>
+                <a:latin typeface="Open Sans" panose="020B0606030504020204" pitchFamily="34" charset="0"/>
+                <a:ea typeface="Open Sans" panose="020B0606030504020204" pitchFamily="34" charset="0"/>
+                <a:cs typeface="Open Sans" panose="020B0606030504020204" pitchFamily="34" charset="0"/>
               </a:defRPr>
             </a:pPr>
             <a:endParaRPr lang="en-US"/>
@@ -6040,9 +6047,9 @@
                     <a:solidFill>
                       <a:schemeClr val="lt1"/>
                     </a:solidFill>
-                    <a:latin typeface="+mn-lt"/>
-                    <a:ea typeface="+mn-ea"/>
-                    <a:cs typeface="+mn-cs"/>
+                    <a:latin typeface="Open Sans" panose="020B0606030504020204" pitchFamily="34" charset="0"/>
+                    <a:ea typeface="Open Sans" panose="020B0606030504020204" pitchFamily="34" charset="0"/>
+                    <a:cs typeface="Open Sans" panose="020B0606030504020204" pitchFamily="34" charset="0"/>
                   </a:defRPr>
                 </a:pPr>
                 <a:r>
@@ -6069,9 +6076,9 @@
                   <a:solidFill>
                     <a:schemeClr val="lt1"/>
                   </a:solidFill>
-                  <a:latin typeface="+mn-lt"/>
-                  <a:ea typeface="+mn-ea"/>
-                  <a:cs typeface="+mn-cs"/>
+                  <a:latin typeface="Open Sans" panose="020B0606030504020204" pitchFamily="34" charset="0"/>
+                  <a:ea typeface="Open Sans" panose="020B0606030504020204" pitchFamily="34" charset="0"/>
+                  <a:cs typeface="Open Sans" panose="020B0606030504020204" pitchFamily="34" charset="0"/>
                 </a:defRPr>
               </a:pPr>
               <a:endParaRPr lang="en-US"/>
@@ -6129,9 +6136,9 @@
           <a:solidFill>
             <a:schemeClr val="lt1"/>
           </a:solidFill>
-          <a:latin typeface="+mn-lt"/>
-          <a:ea typeface="+mn-ea"/>
-          <a:cs typeface="+mn-cs"/>
+          <a:latin typeface="Open Sans" panose="020B0606030504020204" pitchFamily="34" charset="0"/>
+          <a:ea typeface="Open Sans" panose="020B0606030504020204" pitchFamily="34" charset="0"/>
+          <a:cs typeface="Open Sans" panose="020B0606030504020204" pitchFamily="34" charset="0"/>
         </a:defRPr>
       </a:pPr>
       <a:endParaRPr lang="en-US"/>
@@ -13594,7 +13601,7 @@
         <p:spPr>
           <a:xfrm>
             <a:off x="205025" y="1103974"/>
-            <a:ext cx="3921702" cy="2462210"/>
+            <a:ext cx="3921702" cy="3754872"/>
           </a:xfrm>
           <a:prstGeom prst="rect">
             <a:avLst/>
@@ -13756,6 +13763,32 @@
               <a:buChar char="v"/>
               <a:tabLst/>
             </a:pPr>
+            <a:r>
+              <a:rPr lang="en-US" dirty="0">
+                <a:latin typeface="Open Sans" panose="020B0606030504020204" pitchFamily="34" charset="0"/>
+                <a:ea typeface="Open Sans" panose="020B0606030504020204" pitchFamily="34" charset="0"/>
+                <a:cs typeface="Open Sans" panose="020B0606030504020204" pitchFamily="34" charset="0"/>
+              </a:rPr>
+              <a:t>Bronze customers are being the second place in terms of number, followed by Platinum customers and finally Gold customers.</a:t>
+            </a:r>
+          </a:p>
+          <a:p>
+            <a:pPr marL="285750" marR="0" indent="-285750" algn="l" defTabSz="914400" rtl="0" fontAlgn="auto" latinLnBrk="0" hangingPunct="0">
+              <a:lnSpc>
+                <a:spcPct val="150000"/>
+              </a:lnSpc>
+              <a:spcBef>
+                <a:spcPts val="0"/>
+              </a:spcBef>
+              <a:spcAft>
+                <a:spcPts val="0"/>
+              </a:spcAft>
+              <a:buClrTx/>
+              <a:buSzTx/>
+              <a:buFont typeface="Wingdings" panose="05000000000000000000" pitchFamily="2" charset="2"/>
+              <a:buChar char="v"/>
+              <a:tabLst/>
+            </a:pPr>
             <a:endParaRPr lang="en-US" dirty="0">
               <a:latin typeface="Open Sans" panose="020B0606030504020204" pitchFamily="34" charset="0"/>
               <a:ea typeface="Open Sans" panose="020B0606030504020204" pitchFamily="34" charset="0"/>
@@ -13779,7 +13812,7 @@
           <p:nvPr>
             <p:extLst>
               <p:ext uri="{D42A27DB-BD31-4B8C-83A1-F6EECF244321}">
-                <p14:modId xmlns:p14="http://schemas.microsoft.com/office/powerpoint/2010/main" val="2793107363"/>
+                <p14:modId xmlns:p14="http://schemas.microsoft.com/office/powerpoint/2010/main" val="612338952"/>
               </p:ext>
             </p:extLst>
           </p:nvPr>
@@ -14445,7 +14478,7 @@
           <p:nvPr>
             <p:extLst>
               <p:ext uri="{D42A27DB-BD31-4B8C-83A1-F6EECF244321}">
-                <p14:modId xmlns:p14="http://schemas.microsoft.com/office/powerpoint/2010/main" val="4003158706"/>
+                <p14:modId xmlns:p14="http://schemas.microsoft.com/office/powerpoint/2010/main" val="3795946766"/>
               </p:ext>
             </p:extLst>
           </p:nvPr>
@@ -14461,49 +14494,49 @@
                 <a:tableStyleId>{5C22544A-7EE6-4342-B048-85BDC9FD1C3A}</a:tableStyleId>
               </a:tblPr>
               <a:tblGrid>
-                <a:gridCol w="1210026">
+                <a:gridCol w="1051279">
                   <a:extLst>
                     <a:ext uri="{9D8B030D-6E8A-4147-A177-3AD203B41FA5}">
                       <a16:colId xmlns:a16="http://schemas.microsoft.com/office/drawing/2014/main" val="255493784"/>
                     </a:ext>
                   </a:extLst>
                 </a:gridCol>
-                <a:gridCol w="1210026">
+                <a:gridCol w="1144988">
                   <a:extLst>
                     <a:ext uri="{9D8B030D-6E8A-4147-A177-3AD203B41FA5}">
                       <a16:colId xmlns:a16="http://schemas.microsoft.com/office/drawing/2014/main" val="3877124914"/>
                     </a:ext>
                   </a:extLst>
                 </a:gridCol>
-                <a:gridCol w="1210026">
+                <a:gridCol w="922351">
                   <a:extLst>
                     <a:ext uri="{9D8B030D-6E8A-4147-A177-3AD203B41FA5}">
                       <a16:colId xmlns:a16="http://schemas.microsoft.com/office/drawing/2014/main" val="1172231377"/>
                     </a:ext>
                   </a:extLst>
                 </a:gridCol>
-                <a:gridCol w="1210026">
+                <a:gridCol w="707666">
                   <a:extLst>
                     <a:ext uri="{9D8B030D-6E8A-4147-A177-3AD203B41FA5}">
                       <a16:colId xmlns:a16="http://schemas.microsoft.com/office/drawing/2014/main" val="2002507715"/>
                     </a:ext>
                   </a:extLst>
                 </a:gridCol>
-                <a:gridCol w="1210026">
+                <a:gridCol w="1598212">
                   <a:extLst>
                     <a:ext uri="{9D8B030D-6E8A-4147-A177-3AD203B41FA5}">
                       <a16:colId xmlns:a16="http://schemas.microsoft.com/office/drawing/2014/main" val="251360485"/>
                     </a:ext>
                   </a:extLst>
                 </a:gridCol>
-                <a:gridCol w="1210026">
+                <a:gridCol w="1741336">
                   <a:extLst>
                     <a:ext uri="{9D8B030D-6E8A-4147-A177-3AD203B41FA5}">
                       <a16:colId xmlns:a16="http://schemas.microsoft.com/office/drawing/2014/main" val="4188341287"/>
                     </a:ext>
                   </a:extLst>
                 </a:gridCol>
-                <a:gridCol w="1210026">
+                <a:gridCol w="1304350">
                   <a:extLst>
                     <a:ext uri="{9D8B030D-6E8A-4147-A177-3AD203B41FA5}">
                       <a16:colId xmlns:a16="http://schemas.microsoft.com/office/drawing/2014/main" val="1642975316"/>
@@ -14743,7 +14776,7 @@
                     <a:p>
                       <a:pPr algn="l" fontAlgn="b"/>
                       <a:r>
-                        <a:rPr lang="en-US" sz="1200" b="0" i="0" u="none" strike="noStrike" dirty="0">
+                        <a:rPr lang="en-US" sz="1100" b="0" i="0" u="none" strike="noStrike">
                           <a:solidFill>
                             <a:srgbClr val="000000"/>
                           </a:solidFill>
@@ -14752,7 +14785,7 @@
                           <a:ea typeface="Open Sans" panose="020B0606030504020204" pitchFamily="34" charset="0"/>
                           <a:cs typeface="Open Sans" panose="020B0606030504020204" pitchFamily="34" charset="0"/>
                         </a:rPr>
-                        <a:t>Melba</a:t>
+                        <a:t>Rutledge</a:t>
                       </a:r>
                     </a:p>
                   </a:txBody>
@@ -14765,7 +14798,7 @@
                     <a:p>
                       <a:pPr algn="l" fontAlgn="b"/>
                       <a:r>
-                        <a:rPr lang="en-US" sz="1200" b="0" i="0" u="none" strike="noStrike" dirty="0" err="1">
+                        <a:rPr lang="en-US" sz="1100" b="0" i="0" u="none" strike="noStrike">
                           <a:solidFill>
                             <a:srgbClr val="000000"/>
                           </a:solidFill>
@@ -14774,17 +14807,8 @@
                           <a:ea typeface="Open Sans" panose="020B0606030504020204" pitchFamily="34" charset="0"/>
                           <a:cs typeface="Open Sans" panose="020B0606030504020204" pitchFamily="34" charset="0"/>
                         </a:rPr>
-                        <a:t>Spellacy</a:t>
+                        <a:t>Hallt</a:t>
                       </a:r>
-                      <a:endParaRPr lang="en-US" sz="1200" b="0" i="0" u="none" strike="noStrike" dirty="0">
-                        <a:solidFill>
-                          <a:srgbClr val="000000"/>
-                        </a:solidFill>
-                        <a:effectLst/>
-                        <a:latin typeface="Open Sans" panose="020B0606030504020204" pitchFamily="34" charset="0"/>
-                        <a:ea typeface="Open Sans" panose="020B0606030504020204" pitchFamily="34" charset="0"/>
-                        <a:cs typeface="Open Sans" panose="020B0606030504020204" pitchFamily="34" charset="0"/>
-                      </a:endParaRPr>
                     </a:p>
                   </a:txBody>
                   <a:tcPr marL="6350" marR="6350" marT="6350" marB="0" anchor="b"/>
@@ -14796,7 +14820,7 @@
                     <a:p>
                       <a:pPr algn="l" fontAlgn="b"/>
                       <a:r>
-                        <a:rPr lang="en-US" sz="1200" b="0" i="0" u="none" strike="noStrike">
+                        <a:rPr lang="en-US" sz="1100" b="0" i="0" u="none" strike="noStrike">
                           <a:solidFill>
                             <a:srgbClr val="000000"/>
                           </a:solidFill>
@@ -14805,7 +14829,7 @@
                           <a:ea typeface="Open Sans" panose="020B0606030504020204" pitchFamily="34" charset="0"/>
                           <a:cs typeface="Open Sans" panose="020B0606030504020204" pitchFamily="34" charset="0"/>
                         </a:rPr>
-                        <a:t>Female</a:t>
+                        <a:t>Male</a:t>
                       </a:r>
                     </a:p>
                   </a:txBody>
@@ -14818,7 +14842,7 @@
                     <a:p>
                       <a:pPr algn="r" fontAlgn="b"/>
                       <a:r>
-                        <a:rPr lang="en-US" sz="1200" b="0" i="0" u="none" strike="noStrike">
+                        <a:rPr lang="en-US" sz="1100" b="0" i="0" u="none" strike="noStrike">
                           <a:solidFill>
                             <a:srgbClr val="000000"/>
                           </a:solidFill>
@@ -14840,7 +14864,7 @@
                     <a:p>
                       <a:pPr algn="l" fontAlgn="b"/>
                       <a:r>
-                        <a:rPr lang="en-US" sz="1200" b="0" i="0" u="none" strike="noStrike">
+                        <a:rPr lang="en-US" sz="1100" b="0" i="0" u="none" strike="noStrike">
                           <a:solidFill>
                             <a:srgbClr val="000000"/>
                           </a:solidFill>
@@ -14849,7 +14873,7 @@
                           <a:ea typeface="Open Sans" panose="020B0606030504020204" pitchFamily="34" charset="0"/>
                           <a:cs typeface="Open Sans" panose="020B0606030504020204" pitchFamily="34" charset="0"/>
                         </a:rPr>
-                        <a:t>VP Marketing</a:t>
+                        <a:t>Compensation Analyst</a:t>
                       </a:r>
                     </a:p>
                   </a:txBody>
@@ -14862,7 +14886,7 @@
                     <a:p>
                       <a:pPr algn="l" fontAlgn="b"/>
                       <a:r>
-                        <a:rPr lang="en-US" sz="1200" b="0" i="0" u="none" strike="noStrike">
+                        <a:rPr lang="en-US" sz="1100" b="0" i="0" u="none" strike="noStrike">
                           <a:solidFill>
                             <a:srgbClr val="000000"/>
                           </a:solidFill>
@@ -14871,7 +14895,7 @@
                           <a:ea typeface="Open Sans" panose="020B0606030504020204" pitchFamily="34" charset="0"/>
                           <a:cs typeface="Open Sans" panose="020B0606030504020204" pitchFamily="34" charset="0"/>
                         </a:rPr>
-                        <a:t>Health</a:t>
+                        <a:t>Financial Services</a:t>
                       </a:r>
                     </a:p>
                   </a:txBody>
@@ -14884,7 +14908,7 @@
                     <a:p>
                       <a:pPr algn="l" fontAlgn="b"/>
                       <a:r>
-                        <a:rPr lang="en-US" sz="1200" b="0" i="0" u="none" strike="noStrike">
+                        <a:rPr lang="en-US" sz="1100" b="0" i="0" u="none" strike="noStrike">
                           <a:solidFill>
                             <a:srgbClr val="000000"/>
                           </a:solidFill>
@@ -14913,7 +14937,7 @@
                     <a:p>
                       <a:pPr algn="l" fontAlgn="b"/>
                       <a:r>
-                        <a:rPr lang="en-US" sz="1200" b="0" i="0" u="none" strike="noStrike" dirty="0">
+                        <a:rPr lang="en-US" sz="1100" b="0" i="0" u="none" strike="noStrike">
                           <a:solidFill>
                             <a:srgbClr val="000000"/>
                           </a:solidFill>
@@ -14922,7 +14946,7 @@
                           <a:ea typeface="Open Sans" panose="020B0606030504020204" pitchFamily="34" charset="0"/>
                           <a:cs typeface="Open Sans" panose="020B0606030504020204" pitchFamily="34" charset="0"/>
                         </a:rPr>
-                        <a:t>Winnifred</a:t>
+                        <a:t>Melba</a:t>
                       </a:r>
                     </a:p>
                   </a:txBody>
@@ -14935,7 +14959,7 @@
                     <a:p>
                       <a:pPr algn="l" fontAlgn="b"/>
                       <a:r>
-                        <a:rPr lang="en-US" sz="1200" b="0" i="0" u="none" strike="noStrike" dirty="0" err="1">
+                        <a:rPr lang="en-US" sz="1100" b="0" i="0" u="none" strike="noStrike">
                           <a:solidFill>
                             <a:srgbClr val="000000"/>
                           </a:solidFill>
@@ -14944,17 +14968,8 @@
                           <a:ea typeface="Open Sans" panose="020B0606030504020204" pitchFamily="34" charset="0"/>
                           <a:cs typeface="Open Sans" panose="020B0606030504020204" pitchFamily="34" charset="0"/>
                         </a:rPr>
-                        <a:t>Beswetherick</a:t>
+                        <a:t>Spellacy</a:t>
                       </a:r>
-                      <a:endParaRPr lang="en-US" sz="1200" b="0" i="0" u="none" strike="noStrike" dirty="0">
-                        <a:solidFill>
-                          <a:srgbClr val="000000"/>
-                        </a:solidFill>
-                        <a:effectLst/>
-                        <a:latin typeface="Open Sans" panose="020B0606030504020204" pitchFamily="34" charset="0"/>
-                        <a:ea typeface="Open Sans" panose="020B0606030504020204" pitchFamily="34" charset="0"/>
-                        <a:cs typeface="Open Sans" panose="020B0606030504020204" pitchFamily="34" charset="0"/>
-                      </a:endParaRPr>
                     </a:p>
                   </a:txBody>
                   <a:tcPr marL="6350" marR="6350" marT="6350" marB="0" anchor="b"/>
@@ -14966,7 +14981,7 @@
                     <a:p>
                       <a:pPr algn="l" fontAlgn="b"/>
                       <a:r>
-                        <a:rPr lang="en-US" sz="1200" b="0" i="0" u="none" strike="noStrike">
+                        <a:rPr lang="en-US" sz="1100" b="0" i="0" u="none" strike="noStrike">
                           <a:solidFill>
                             <a:srgbClr val="000000"/>
                           </a:solidFill>
@@ -14988,7 +15003,7 @@
                     <a:p>
                       <a:pPr algn="r" fontAlgn="b"/>
                       <a:r>
-                        <a:rPr lang="en-US" sz="1200" b="0" i="0" u="none" strike="noStrike">
+                        <a:rPr lang="en-US" sz="1100" b="0" i="0" u="none" strike="noStrike">
                           <a:solidFill>
                             <a:srgbClr val="000000"/>
                           </a:solidFill>
@@ -14997,7 +15012,7 @@
                           <a:ea typeface="Open Sans" panose="020B0606030504020204" pitchFamily="34" charset="0"/>
                           <a:cs typeface="Open Sans" panose="020B0606030504020204" pitchFamily="34" charset="0"/>
                         </a:rPr>
-                        <a:t>47</a:t>
+                        <a:t>46</a:t>
                       </a:r>
                     </a:p>
                   </a:txBody>
@@ -15010,7 +15025,7 @@
                     <a:p>
                       <a:pPr algn="l" fontAlgn="b"/>
                       <a:r>
-                        <a:rPr lang="en-US" sz="1200" b="0" i="0" u="none" strike="noStrike">
+                        <a:rPr lang="en-US" sz="1100" b="0" i="0" u="none" strike="noStrike">
                           <a:solidFill>
                             <a:srgbClr val="000000"/>
                           </a:solidFill>
@@ -15019,7 +15034,7 @@
                           <a:ea typeface="Open Sans" panose="020B0606030504020204" pitchFamily="34" charset="0"/>
                           <a:cs typeface="Open Sans" panose="020B0606030504020204" pitchFamily="34" charset="0"/>
                         </a:rPr>
-                        <a:t>Actuary</a:t>
+                        <a:t>VP Marketing</a:t>
                       </a:r>
                     </a:p>
                   </a:txBody>
@@ -15032,7 +15047,7 @@
                     <a:p>
                       <a:pPr algn="l" fontAlgn="b"/>
                       <a:r>
-                        <a:rPr lang="en-US" sz="1200" b="0" i="0" u="none" strike="noStrike">
+                        <a:rPr lang="en-US" sz="1100" b="0" i="0" u="none" strike="noStrike">
                           <a:solidFill>
                             <a:srgbClr val="000000"/>
                           </a:solidFill>
@@ -15041,7 +15056,7 @@
                           <a:ea typeface="Open Sans" panose="020B0606030504020204" pitchFamily="34" charset="0"/>
                           <a:cs typeface="Open Sans" panose="020B0606030504020204" pitchFamily="34" charset="0"/>
                         </a:rPr>
-                        <a:t>Financial Services</a:t>
+                        <a:t>Health</a:t>
                       </a:r>
                     </a:p>
                   </a:txBody>
@@ -15054,7 +15069,7 @@
                     <a:p>
                       <a:pPr algn="l" fontAlgn="b"/>
                       <a:r>
-                        <a:rPr lang="en-US" sz="1200" b="0" i="0" u="none" strike="noStrike">
+                        <a:rPr lang="en-US" sz="1100" b="0" i="0" u="none" strike="noStrike">
                           <a:solidFill>
                             <a:srgbClr val="000000"/>
                           </a:solidFill>
@@ -15083,7 +15098,7 @@
                     <a:p>
                       <a:pPr algn="l" fontAlgn="b"/>
                       <a:r>
-                        <a:rPr lang="en-US" sz="1200" b="0" i="0" u="none" strike="noStrike" dirty="0">
+                        <a:rPr lang="en-US" sz="1100" b="0" i="0" u="none" strike="noStrike">
                           <a:solidFill>
                             <a:srgbClr val="000000"/>
                           </a:solidFill>
@@ -15092,7 +15107,7 @@
                           <a:ea typeface="Open Sans" panose="020B0606030504020204" pitchFamily="34" charset="0"/>
                           <a:cs typeface="Open Sans" panose="020B0606030504020204" pitchFamily="34" charset="0"/>
                         </a:rPr>
-                        <a:t>Gale</a:t>
+                        <a:t>Winnifred</a:t>
                       </a:r>
                     </a:p>
                   </a:txBody>
@@ -15105,7 +15120,7 @@
                     <a:p>
                       <a:pPr algn="l" fontAlgn="b"/>
                       <a:r>
-                        <a:rPr lang="en-US" sz="1200" b="0" i="0" u="none" strike="noStrike" dirty="0">
+                        <a:rPr lang="en-US" sz="1100" b="0" i="0" u="none" strike="noStrike">
                           <a:solidFill>
                             <a:srgbClr val="000000"/>
                           </a:solidFill>
@@ -15114,7 +15129,7 @@
                           <a:ea typeface="Open Sans" panose="020B0606030504020204" pitchFamily="34" charset="0"/>
                           <a:cs typeface="Open Sans" panose="020B0606030504020204" pitchFamily="34" charset="0"/>
                         </a:rPr>
-                        <a:t>Disbrow</a:t>
+                        <a:t>Beswetherick</a:t>
                       </a:r>
                     </a:p>
                   </a:txBody>
@@ -15127,7 +15142,7 @@
                     <a:p>
                       <a:pPr algn="l" fontAlgn="b"/>
                       <a:r>
-                        <a:rPr lang="en-US" sz="1200" b="0" i="0" u="none" strike="noStrike">
+                        <a:rPr lang="en-US" sz="1100" b="0" i="0" u="none" strike="noStrike">
                           <a:solidFill>
                             <a:srgbClr val="000000"/>
                           </a:solidFill>
@@ -15149,7 +15164,7 @@
                     <a:p>
                       <a:pPr algn="r" fontAlgn="b"/>
                       <a:r>
-                        <a:rPr lang="en-US" sz="1200" b="0" i="0" u="none" strike="noStrike">
+                        <a:rPr lang="en-US" sz="1100" b="0" i="0" u="none" strike="noStrike">
                           <a:solidFill>
                             <a:srgbClr val="000000"/>
                           </a:solidFill>
@@ -15158,7 +15173,7 @@
                           <a:ea typeface="Open Sans" panose="020B0606030504020204" pitchFamily="34" charset="0"/>
                           <a:cs typeface="Open Sans" panose="020B0606030504020204" pitchFamily="34" charset="0"/>
                         </a:rPr>
-                        <a:t>46</a:t>
+                        <a:t>47</a:t>
                       </a:r>
                     </a:p>
                   </a:txBody>
@@ -15171,7 +15186,7 @@
                     <a:p>
                       <a:pPr algn="l" fontAlgn="b"/>
                       <a:r>
-                        <a:rPr lang="en-US" sz="1200" b="0" i="0" u="none" strike="noStrike">
+                        <a:rPr lang="en-US" sz="1100" b="0" i="0" u="none" strike="noStrike">
                           <a:solidFill>
                             <a:srgbClr val="000000"/>
                           </a:solidFill>
@@ -15180,7 +15195,7 @@
                           <a:ea typeface="Open Sans" panose="020B0606030504020204" pitchFamily="34" charset="0"/>
                           <a:cs typeface="Open Sans" panose="020B0606030504020204" pitchFamily="34" charset="0"/>
                         </a:rPr>
-                        <a:t>Cost Accountant</a:t>
+                        <a:t>Actuary</a:t>
                       </a:r>
                     </a:p>
                   </a:txBody>
@@ -15193,7 +15208,7 @@
                     <a:p>
                       <a:pPr algn="l" fontAlgn="b"/>
                       <a:r>
-                        <a:rPr lang="en-US" sz="1200" b="0" i="0" u="none" strike="noStrike">
+                        <a:rPr lang="en-US" sz="1100" b="0" i="0" u="none" strike="noStrike">
                           <a:solidFill>
                             <a:srgbClr val="000000"/>
                           </a:solidFill>
@@ -15215,7 +15230,7 @@
                     <a:p>
                       <a:pPr algn="l" fontAlgn="b"/>
                       <a:r>
-                        <a:rPr lang="en-US" sz="1200" b="0" i="0" u="none" strike="noStrike">
+                        <a:rPr lang="en-US" sz="1100" b="0" i="0" u="none" strike="noStrike">
                           <a:solidFill>
                             <a:srgbClr val="000000"/>
                           </a:solidFill>
@@ -15244,7 +15259,7 @@
                     <a:p>
                       <a:pPr algn="l" fontAlgn="b"/>
                       <a:r>
-                        <a:rPr lang="en-US" sz="1200" b="0" i="0" u="none" strike="noStrike" dirty="0" err="1">
+                        <a:rPr lang="en-US" sz="1100" b="0" i="0" u="none" strike="noStrike">
                           <a:solidFill>
                             <a:srgbClr val="000000"/>
                           </a:solidFill>
@@ -15253,17 +15268,8 @@
                           <a:ea typeface="Open Sans" panose="020B0606030504020204" pitchFamily="34" charset="0"/>
                           <a:cs typeface="Open Sans" panose="020B0606030504020204" pitchFamily="34" charset="0"/>
                         </a:rPr>
-                        <a:t>Martelle</a:t>
+                        <a:t>Gale</a:t>
                       </a:r>
-                      <a:endParaRPr lang="en-US" sz="1200" b="0" i="0" u="none" strike="noStrike" dirty="0">
-                        <a:solidFill>
-                          <a:srgbClr val="000000"/>
-                        </a:solidFill>
-                        <a:effectLst/>
-                        <a:latin typeface="Open Sans" panose="020B0606030504020204" pitchFamily="34" charset="0"/>
-                        <a:ea typeface="Open Sans" panose="020B0606030504020204" pitchFamily="34" charset="0"/>
-                        <a:cs typeface="Open Sans" panose="020B0606030504020204" pitchFamily="34" charset="0"/>
-                      </a:endParaRPr>
                     </a:p>
                   </a:txBody>
                   <a:tcPr marL="6350" marR="6350" marT="6350" marB="0" anchor="b"/>
@@ -15275,7 +15281,7 @@
                     <a:p>
                       <a:pPr algn="l" fontAlgn="b"/>
                       <a:r>
-                        <a:rPr lang="en-US" sz="1200" b="0" i="0" u="none" strike="noStrike" dirty="0" err="1">
+                        <a:rPr lang="en-US" sz="1100" b="0" i="0" u="none" strike="noStrike">
                           <a:solidFill>
                             <a:srgbClr val="000000"/>
                           </a:solidFill>
@@ -15284,17 +15290,8 @@
                           <a:ea typeface="Open Sans" panose="020B0606030504020204" pitchFamily="34" charset="0"/>
                           <a:cs typeface="Open Sans" panose="020B0606030504020204" pitchFamily="34" charset="0"/>
                         </a:rPr>
-                        <a:t>Tuppeny</a:t>
+                        <a:t>Disbrow</a:t>
                       </a:r>
-                      <a:endParaRPr lang="en-US" sz="1200" b="0" i="0" u="none" strike="noStrike" dirty="0">
-                        <a:solidFill>
-                          <a:srgbClr val="000000"/>
-                        </a:solidFill>
-                        <a:effectLst/>
-                        <a:latin typeface="Open Sans" panose="020B0606030504020204" pitchFamily="34" charset="0"/>
-                        <a:ea typeface="Open Sans" panose="020B0606030504020204" pitchFamily="34" charset="0"/>
-                        <a:cs typeface="Open Sans" panose="020B0606030504020204" pitchFamily="34" charset="0"/>
-                      </a:endParaRPr>
                     </a:p>
                   </a:txBody>
                   <a:tcPr marL="6350" marR="6350" marT="6350" marB="0" anchor="b"/>
@@ -15306,7 +15303,7 @@
                     <a:p>
                       <a:pPr algn="l" fontAlgn="b"/>
                       <a:r>
-                        <a:rPr lang="en-US" sz="1200" b="0" i="0" u="none" strike="noStrike">
+                        <a:rPr lang="en-US" sz="1100" b="0" i="0" u="none" strike="noStrike">
                           <a:solidFill>
                             <a:srgbClr val="000000"/>
                           </a:solidFill>
@@ -15328,7 +15325,7 @@
                     <a:p>
                       <a:pPr algn="r" fontAlgn="b"/>
                       <a:r>
-                        <a:rPr lang="en-US" sz="1200" b="0" i="0" u="none" strike="noStrike">
+                        <a:rPr lang="en-US" sz="1100" b="0" i="0" u="none" strike="noStrike">
                           <a:solidFill>
                             <a:srgbClr val="000000"/>
                           </a:solidFill>
@@ -15337,7 +15334,7 @@
                           <a:ea typeface="Open Sans" panose="020B0606030504020204" pitchFamily="34" charset="0"/>
                           <a:cs typeface="Open Sans" panose="020B0606030504020204" pitchFamily="34" charset="0"/>
                         </a:rPr>
-                        <a:t>42</a:t>
+                        <a:t>46</a:t>
                       </a:r>
                     </a:p>
                   </a:txBody>
@@ -15350,7 +15347,7 @@
                     <a:p>
                       <a:pPr algn="l" fontAlgn="b"/>
                       <a:r>
-                        <a:rPr lang="en-US" sz="1200" b="0" i="0" u="none" strike="noStrike">
+                        <a:rPr lang="en-US" sz="1100" b="0" i="0" u="none" strike="noStrike">
                           <a:solidFill>
                             <a:srgbClr val="000000"/>
                           </a:solidFill>
@@ -15359,7 +15356,7 @@
                           <a:ea typeface="Open Sans" panose="020B0606030504020204" pitchFamily="34" charset="0"/>
                           <a:cs typeface="Open Sans" panose="020B0606030504020204" pitchFamily="34" charset="0"/>
                         </a:rPr>
-                        <a:t>Marketing Assistant</a:t>
+                        <a:t>Cost Accountant</a:t>
                       </a:r>
                     </a:p>
                   </a:txBody>
@@ -15372,7 +15369,7 @@
                     <a:p>
                       <a:pPr algn="l" fontAlgn="b"/>
                       <a:r>
-                        <a:rPr lang="en-US" sz="1200" b="0" i="0" u="none" strike="noStrike">
+                        <a:rPr lang="en-US" sz="1100" b="0" i="0" u="none" strike="noStrike">
                           <a:solidFill>
                             <a:srgbClr val="000000"/>
                           </a:solidFill>
@@ -15381,7 +15378,7 @@
                           <a:ea typeface="Open Sans" panose="020B0606030504020204" pitchFamily="34" charset="0"/>
                           <a:cs typeface="Open Sans" panose="020B0606030504020204" pitchFamily="34" charset="0"/>
                         </a:rPr>
-                        <a:t>Manufacturing</a:t>
+                        <a:t>Financial Services</a:t>
                       </a:r>
                     </a:p>
                   </a:txBody>
@@ -15394,7 +15391,7 @@
                     <a:p>
                       <a:pPr algn="l" fontAlgn="b"/>
                       <a:r>
-                        <a:rPr lang="en-US" sz="1200" b="0" i="0" u="none" strike="noStrike">
+                        <a:rPr lang="en-US" sz="1100" b="0" i="0" u="none" strike="noStrike" dirty="0">
                           <a:solidFill>
                             <a:srgbClr val="000000"/>
                           </a:solidFill>
@@ -15423,7 +15420,7 @@
                     <a:p>
                       <a:pPr algn="l" fontAlgn="b"/>
                       <a:r>
-                        <a:rPr lang="en-US" sz="1200" b="0" i="0" u="none" strike="noStrike" dirty="0">
+                        <a:rPr lang="en-US" sz="1100" b="0" i="0" u="none" strike="noStrike" dirty="0" err="1">
                           <a:solidFill>
                             <a:srgbClr val="000000"/>
                           </a:solidFill>
@@ -15432,31 +15429,9 @@
                           <a:ea typeface="Open Sans" panose="020B0606030504020204" pitchFamily="34" charset="0"/>
                           <a:cs typeface="Open Sans" panose="020B0606030504020204" pitchFamily="34" charset="0"/>
                         </a:rPr>
-                        <a:t>Patricia</a:t>
+                        <a:t>Martelle</a:t>
                       </a:r>
-                    </a:p>
-                  </a:txBody>
-                  <a:tcPr marL="6350" marR="6350" marT="6350" marB="0" anchor="b"/>
-                </a:tc>
-                <a:tc>
-                  <a:txBody>
-                    <a:bodyPr/>
-                    <a:lstStyle/>
-                    <a:p>
-                      <a:pPr algn="l" fontAlgn="b"/>
-                      <a:r>
-                        <a:rPr lang="en-US" sz="1200" b="0" i="0" u="none" strike="noStrike" dirty="0" err="1">
-                          <a:solidFill>
-                            <a:srgbClr val="000000"/>
-                          </a:solidFill>
-                          <a:effectLst/>
-                          <a:latin typeface="Open Sans" panose="020B0606030504020204" pitchFamily="34" charset="0"/>
-                          <a:ea typeface="Open Sans" panose="020B0606030504020204" pitchFamily="34" charset="0"/>
-                          <a:cs typeface="Open Sans" panose="020B0606030504020204" pitchFamily="34" charset="0"/>
-                        </a:rPr>
-                        <a:t>Everix</a:t>
-                      </a:r>
-                      <a:endParaRPr lang="en-US" sz="1200" b="0" i="0" u="none" strike="noStrike" dirty="0">
+                      <a:endParaRPr lang="en-US" sz="1100" b="0" i="0" u="none" strike="noStrike" dirty="0">
                         <a:solidFill>
                           <a:srgbClr val="000000"/>
                         </a:solidFill>
@@ -15476,7 +15451,38 @@
                     <a:p>
                       <a:pPr algn="l" fontAlgn="b"/>
                       <a:r>
-                        <a:rPr lang="en-US" sz="1200" b="0" i="0" u="none" strike="noStrike" dirty="0">
+                        <a:rPr lang="en-US" sz="1100" b="0" i="0" u="none" strike="noStrike" dirty="0" err="1">
+                          <a:solidFill>
+                            <a:srgbClr val="000000"/>
+                          </a:solidFill>
+                          <a:effectLst/>
+                          <a:latin typeface="Open Sans" panose="020B0606030504020204" pitchFamily="34" charset="0"/>
+                          <a:ea typeface="Open Sans" panose="020B0606030504020204" pitchFamily="34" charset="0"/>
+                          <a:cs typeface="Open Sans" panose="020B0606030504020204" pitchFamily="34" charset="0"/>
+                        </a:rPr>
+                        <a:t>Tuppeny</a:t>
+                      </a:r>
+                      <a:endParaRPr lang="en-US" sz="1100" b="0" i="0" u="none" strike="noStrike" dirty="0">
+                        <a:solidFill>
+                          <a:srgbClr val="000000"/>
+                        </a:solidFill>
+                        <a:effectLst/>
+                        <a:latin typeface="Open Sans" panose="020B0606030504020204" pitchFamily="34" charset="0"/>
+                        <a:ea typeface="Open Sans" panose="020B0606030504020204" pitchFamily="34" charset="0"/>
+                        <a:cs typeface="Open Sans" panose="020B0606030504020204" pitchFamily="34" charset="0"/>
+                      </a:endParaRPr>
+                    </a:p>
+                  </a:txBody>
+                  <a:tcPr marL="6350" marR="6350" marT="6350" marB="0" anchor="b"/>
+                </a:tc>
+                <a:tc>
+                  <a:txBody>
+                    <a:bodyPr/>
+                    <a:lstStyle/>
+                    <a:p>
+                      <a:pPr algn="l" fontAlgn="b"/>
+                      <a:r>
+                        <a:rPr lang="en-US" sz="1100" b="0" i="0" u="none" strike="noStrike" dirty="0">
                           <a:solidFill>
                             <a:srgbClr val="000000"/>
                           </a:solidFill>
@@ -15498,7 +15504,7 @@
                     <a:p>
                       <a:pPr algn="r" fontAlgn="b"/>
                       <a:r>
-                        <a:rPr lang="en-US" sz="1200" b="0" i="0" u="none" strike="noStrike" dirty="0">
+                        <a:rPr lang="en-US" sz="1100" b="0" i="0" u="none" strike="noStrike" dirty="0">
                           <a:solidFill>
                             <a:srgbClr val="000000"/>
                           </a:solidFill>
@@ -15507,7 +15513,7 @@
                           <a:ea typeface="Open Sans" panose="020B0606030504020204" pitchFamily="34" charset="0"/>
                           <a:cs typeface="Open Sans" panose="020B0606030504020204" pitchFamily="34" charset="0"/>
                         </a:rPr>
-                        <a:t>45</a:t>
+                        <a:t>42</a:t>
                       </a:r>
                     </a:p>
                   </a:txBody>
@@ -15520,7 +15526,7 @@
                     <a:p>
                       <a:pPr algn="l" fontAlgn="b"/>
                       <a:r>
-                        <a:rPr lang="en-US" sz="1200" b="0" i="0" u="none" strike="noStrike" dirty="0">
+                        <a:rPr lang="en-US" sz="1100" b="0" i="0" u="none" strike="noStrike" dirty="0">
                           <a:solidFill>
                             <a:srgbClr val="000000"/>
                           </a:solidFill>
@@ -15529,7 +15535,7 @@
                           <a:ea typeface="Open Sans" panose="020B0606030504020204" pitchFamily="34" charset="0"/>
                           <a:cs typeface="Open Sans" panose="020B0606030504020204" pitchFamily="34" charset="0"/>
                         </a:rPr>
-                        <a:t>Director of Sales</a:t>
+                        <a:t>Marketing Assistant</a:t>
                       </a:r>
                     </a:p>
                   </a:txBody>
@@ -15542,7 +15548,7 @@
                     <a:p>
                       <a:pPr algn="l" fontAlgn="b"/>
                       <a:r>
-                        <a:rPr lang="en-US" sz="1200" b="0" i="0" u="none" strike="noStrike" dirty="0">
+                        <a:rPr lang="en-US" sz="1100" b="0" i="0" u="none" strike="noStrike" dirty="0">
                           <a:solidFill>
                             <a:srgbClr val="000000"/>
                           </a:solidFill>
@@ -15551,7 +15557,7 @@
                           <a:ea typeface="Open Sans" panose="020B0606030504020204" pitchFamily="34" charset="0"/>
                           <a:cs typeface="Open Sans" panose="020B0606030504020204" pitchFamily="34" charset="0"/>
                         </a:rPr>
-                        <a:t>Health</a:t>
+                        <a:t>Manufacturing</a:t>
                       </a:r>
                     </a:p>
                   </a:txBody>
@@ -15564,7 +15570,7 @@
                     <a:p>
                       <a:pPr algn="l" fontAlgn="b"/>
                       <a:r>
-                        <a:rPr lang="en-US" sz="1200" b="0" i="0" u="none" strike="noStrike" dirty="0">
+                        <a:rPr lang="en-US" sz="1100" b="0" i="0" u="none" strike="noStrike" dirty="0">
                           <a:solidFill>
                             <a:srgbClr val="000000"/>
                           </a:solidFill>
@@ -15853,7 +15859,7 @@
         <p:spPr>
           <a:xfrm>
             <a:off x="205025" y="1083299"/>
-            <a:ext cx="8565600" cy="920086"/>
+            <a:ext cx="8565600" cy="1224214"/>
           </a:xfrm>
           <a:prstGeom prst="rect">
             <a:avLst/>
@@ -15886,8 +15892,16 @@
           </a:lstStyle>
           <a:p>
             <a:r>
-              <a:t>This is an optional slide where you may place any supporting items.</a:t>
+              <a:rPr lang="en-US" dirty="0"/>
+              <a:t>Excel File link: </a:t>
             </a:r>
+            <a:r>
+              <a:rPr lang="en-US" dirty="0">
+                <a:hlinkClick r:id="rId2"/>
+              </a:rPr>
+              <a:t>https://github.com/arunsacharyadev/KPMG_Virtual_Internship/raw/master/Dataset/KPMG_VI_New_raw_data_cleaned.xlsx</a:t>
+            </a:r>
+            <a:endParaRPr dirty="0"/>
           </a:p>
         </p:txBody>
       </p:sp>
@@ -15992,6 +16006,7 @@
           </a:lstStyle>
           <a:p>
             <a:r>
+              <a:rPr dirty="0"/>
               <a:t>Agenda</a:t>
             </a:r>
           </a:p>
@@ -16216,6 +16231,7 @@
           </a:lstStyle>
           <a:p>
             <a:r>
+              <a:rPr dirty="0"/>
               <a:t>Introduction</a:t>
             </a:r>
           </a:p>
@@ -17054,7 +17070,7 @@
           <p:nvPr>
             <p:extLst>
               <p:ext uri="{D42A27DB-BD31-4B8C-83A1-F6EECF244321}">
-                <p14:modId xmlns:p14="http://schemas.microsoft.com/office/powerpoint/2010/main" val="3883227004"/>
+                <p14:modId xmlns:p14="http://schemas.microsoft.com/office/powerpoint/2010/main" val="3962645339"/>
               </p:ext>
             </p:extLst>
           </p:nvPr>
@@ -17128,14 +17144,13 @@
                     <a:p>
                       <a:pPr algn="l"/>
                       <a:r>
-                        <a:rPr lang="en-US" sz="1200" dirty="0"/>
+                        <a:rPr lang="en-US" sz="1200" dirty="0">
+                          <a:latin typeface="Open Sans" panose="020B0606030504020204" pitchFamily="34" charset="0"/>
+                          <a:ea typeface="Open Sans" panose="020B0606030504020204" pitchFamily="34" charset="0"/>
+                          <a:cs typeface="Open Sans" panose="020B0606030504020204" pitchFamily="34" charset="0"/>
+                        </a:rPr>
                         <a:t>Datasets</a:t>
                       </a:r>
-                      <a:endParaRPr lang="en-US" sz="1200" dirty="0">
-                        <a:latin typeface="Open Sans" panose="020B0606030504020204" pitchFamily="34" charset="0"/>
-                        <a:ea typeface="Open Sans" panose="020B0606030504020204" pitchFamily="34" charset="0"/>
-                        <a:cs typeface="Open Sans" panose="020B0606030504020204" pitchFamily="34" charset="0"/>
-                      </a:endParaRPr>
                     </a:p>
                   </a:txBody>
                   <a:tcPr/>
@@ -17147,14 +17162,13 @@
                     <a:p>
                       <a:pPr algn="l"/>
                       <a:r>
-                        <a:rPr lang="en-US" sz="1200" dirty="0"/>
+                        <a:rPr lang="en-US" sz="1200" dirty="0">
+                          <a:latin typeface="Open Sans" panose="020B0606030504020204" pitchFamily="34" charset="0"/>
+                          <a:ea typeface="Open Sans" panose="020B0606030504020204" pitchFamily="34" charset="0"/>
+                          <a:cs typeface="Open Sans" panose="020B0606030504020204" pitchFamily="34" charset="0"/>
+                        </a:rPr>
                         <a:t>Accuracy</a:t>
                       </a:r>
-                      <a:endParaRPr lang="en-US" sz="1200" dirty="0">
-                        <a:latin typeface="Open Sans" panose="020B0606030504020204" pitchFamily="34" charset="0"/>
-                        <a:ea typeface="Open Sans" panose="020B0606030504020204" pitchFamily="34" charset="0"/>
-                        <a:cs typeface="Open Sans" panose="020B0606030504020204" pitchFamily="34" charset="0"/>
-                      </a:endParaRPr>
                     </a:p>
                   </a:txBody>
                   <a:tcPr/>
@@ -17175,6 +17189,9 @@
                           </a:solidFill>
                           <a:effectLst/>
                           <a:uFillTx/>
+                          <a:latin typeface="Open Sans" panose="020B0606030504020204" pitchFamily="34" charset="0"/>
+                          <a:ea typeface="Open Sans" panose="020B0606030504020204" pitchFamily="34" charset="0"/>
+                          <a:cs typeface="Open Sans" panose="020B0606030504020204" pitchFamily="34" charset="0"/>
                           <a:sym typeface="Arial"/>
                         </a:rPr>
                         <a:t>Completeness</a:t>
@@ -17204,6 +17221,9 @@
                           </a:solidFill>
                           <a:effectLst/>
                           <a:uFillTx/>
+                          <a:latin typeface="Open Sans" panose="020B0606030504020204" pitchFamily="34" charset="0"/>
+                          <a:ea typeface="Open Sans" panose="020B0606030504020204" pitchFamily="34" charset="0"/>
+                          <a:cs typeface="Open Sans" panose="020B0606030504020204" pitchFamily="34" charset="0"/>
                           <a:sym typeface="Arial"/>
                         </a:rPr>
                         <a:t>Consistency</a:t>
@@ -17233,6 +17253,9 @@
                           </a:solidFill>
                           <a:effectLst/>
                           <a:uFillTx/>
+                          <a:latin typeface="Open Sans" panose="020B0606030504020204" pitchFamily="34" charset="0"/>
+                          <a:ea typeface="Open Sans" panose="020B0606030504020204" pitchFamily="34" charset="0"/>
+                          <a:cs typeface="Open Sans" panose="020B0606030504020204" pitchFamily="34" charset="0"/>
                           <a:sym typeface="Arial"/>
                         </a:rPr>
                         <a:t>Currency</a:t>
@@ -17262,6 +17285,9 @@
                           </a:solidFill>
                           <a:effectLst/>
                           <a:uFillTx/>
+                          <a:latin typeface="Open Sans" panose="020B0606030504020204" pitchFamily="34" charset="0"/>
+                          <a:ea typeface="Open Sans" panose="020B0606030504020204" pitchFamily="34" charset="0"/>
+                          <a:cs typeface="Open Sans" panose="020B0606030504020204" pitchFamily="34" charset="0"/>
                           <a:sym typeface="Arial"/>
                         </a:rPr>
                         <a:t>Relevancy</a:t>
@@ -17291,6 +17317,9 @@
                           </a:solidFill>
                           <a:effectLst/>
                           <a:uFillTx/>
+                          <a:latin typeface="Open Sans" panose="020B0606030504020204" pitchFamily="34" charset="0"/>
+                          <a:ea typeface="Open Sans" panose="020B0606030504020204" pitchFamily="34" charset="0"/>
+                          <a:cs typeface="Open Sans" panose="020B0606030504020204" pitchFamily="34" charset="0"/>
                           <a:sym typeface="Arial"/>
                         </a:rPr>
                         <a:t>Validity</a:t>
@@ -17327,6 +17356,9 @@
                           </a:solidFill>
                           <a:effectLst/>
                           <a:uFillTx/>
+                          <a:latin typeface="Open Sans" panose="020B0606030504020204" pitchFamily="34" charset="0"/>
+                          <a:ea typeface="Open Sans" panose="020B0606030504020204" pitchFamily="34" charset="0"/>
+                          <a:cs typeface="Open Sans" panose="020B0606030504020204" pitchFamily="34" charset="0"/>
                           <a:sym typeface="Arial"/>
                         </a:rPr>
                         <a:t>Customer</a:t>
@@ -17340,6 +17372,9 @@
                         </a:solidFill>
                         <a:effectLst/>
                         <a:uFillTx/>
+                        <a:latin typeface="Open Sans" panose="020B0606030504020204" pitchFamily="34" charset="0"/>
+                        <a:ea typeface="Open Sans" panose="020B0606030504020204" pitchFamily="34" charset="0"/>
+                        <a:cs typeface="Open Sans" panose="020B0606030504020204" pitchFamily="34" charset="0"/>
                         <a:sym typeface="Arial"/>
                       </a:endParaRPr>
                     </a:p>
@@ -17355,6 +17390,9 @@
                           </a:solidFill>
                           <a:effectLst/>
                           <a:uFillTx/>
+                          <a:latin typeface="Open Sans" panose="020B0606030504020204" pitchFamily="34" charset="0"/>
+                          <a:ea typeface="Open Sans" panose="020B0606030504020204" pitchFamily="34" charset="0"/>
+                          <a:cs typeface="Open Sans" panose="020B0606030504020204" pitchFamily="34" charset="0"/>
                           <a:sym typeface="Arial"/>
                         </a:rPr>
                         <a:t>Demographic</a:t>
@@ -17387,6 +17425,9 @@
                           </a:solidFill>
                           <a:effectLst/>
                           <a:uFillTx/>
+                          <a:latin typeface="Open Sans" panose="020B0606030504020204" pitchFamily="34" charset="0"/>
+                          <a:ea typeface="Open Sans" panose="020B0606030504020204" pitchFamily="34" charset="0"/>
+                          <a:cs typeface="Open Sans" panose="020B0606030504020204" pitchFamily="34" charset="0"/>
                           <a:sym typeface="Arial"/>
                         </a:rPr>
                         <a:t>DOB:</a:t>
@@ -17404,6 +17445,9 @@
                           </a:solidFill>
                           <a:effectLst/>
                           <a:uFillTx/>
+                          <a:latin typeface="Open Sans" panose="020B0606030504020204" pitchFamily="34" charset="0"/>
+                          <a:ea typeface="Open Sans" panose="020B0606030504020204" pitchFamily="34" charset="0"/>
+                          <a:cs typeface="Open Sans" panose="020B0606030504020204" pitchFamily="34" charset="0"/>
                           <a:sym typeface="Arial"/>
                         </a:rPr>
                         <a:t>Inaccurate</a:t>
@@ -17424,6 +17468,9 @@
                           </a:solidFill>
                           <a:effectLst/>
                           <a:uFillTx/>
+                          <a:latin typeface="Open Sans" panose="020B0606030504020204" pitchFamily="34" charset="0"/>
+                          <a:ea typeface="Open Sans" panose="020B0606030504020204" pitchFamily="34" charset="0"/>
+                          <a:cs typeface="Open Sans" panose="020B0606030504020204" pitchFamily="34" charset="0"/>
                           <a:sym typeface="Arial"/>
                         </a:rPr>
                         <a:t>age:</a:t>
@@ -17441,6 +17488,9 @@
                           </a:solidFill>
                           <a:effectLst/>
                           <a:uFillTx/>
+                          <a:latin typeface="Open Sans" panose="020B0606030504020204" pitchFamily="34" charset="0"/>
+                          <a:ea typeface="Open Sans" panose="020B0606030504020204" pitchFamily="34" charset="0"/>
+                          <a:cs typeface="Open Sans" panose="020B0606030504020204" pitchFamily="34" charset="0"/>
                           <a:sym typeface="Arial"/>
                         </a:rPr>
                         <a:t>Missing</a:t>
@@ -17473,6 +17523,9 @@
                           </a:solidFill>
                           <a:effectLst/>
                           <a:uFillTx/>
+                          <a:latin typeface="Open Sans" panose="020B0606030504020204" pitchFamily="34" charset="0"/>
+                          <a:ea typeface="Open Sans" panose="020B0606030504020204" pitchFamily="34" charset="0"/>
+                          <a:cs typeface="Open Sans" panose="020B0606030504020204" pitchFamily="34" charset="0"/>
                           <a:sym typeface="Arial"/>
                         </a:rPr>
                         <a:t>job_title</a:t>
@@ -17487,6 +17540,9 @@
                           </a:solidFill>
                           <a:effectLst/>
                           <a:uFillTx/>
+                          <a:latin typeface="Open Sans" panose="020B0606030504020204" pitchFamily="34" charset="0"/>
+                          <a:ea typeface="Open Sans" panose="020B0606030504020204" pitchFamily="34" charset="0"/>
+                          <a:cs typeface="Open Sans" panose="020B0606030504020204" pitchFamily="34" charset="0"/>
                           <a:sym typeface="Arial"/>
                         </a:rPr>
                         <a:t>:</a:t>
@@ -17504,6 +17560,9 @@
                           </a:solidFill>
                           <a:effectLst/>
                           <a:uFillTx/>
+                          <a:latin typeface="Open Sans" panose="020B0606030504020204" pitchFamily="34" charset="0"/>
+                          <a:ea typeface="Open Sans" panose="020B0606030504020204" pitchFamily="34" charset="0"/>
+                          <a:cs typeface="Open Sans" panose="020B0606030504020204" pitchFamily="34" charset="0"/>
                           <a:sym typeface="Arial"/>
                         </a:rPr>
                         <a:t>blanks</a:t>
@@ -17536,6 +17595,9 @@
                           </a:solidFill>
                           <a:effectLst/>
                           <a:uFillTx/>
+                          <a:latin typeface="Open Sans" panose="020B0606030504020204" pitchFamily="34" charset="0"/>
+                          <a:ea typeface="Open Sans" panose="020B0606030504020204" pitchFamily="34" charset="0"/>
+                          <a:cs typeface="Open Sans" panose="020B0606030504020204" pitchFamily="34" charset="0"/>
                           <a:sym typeface="Arial"/>
                         </a:rPr>
                         <a:t>gender:</a:t>
@@ -17553,6 +17615,9 @@
                           </a:solidFill>
                           <a:effectLst/>
                           <a:uFillTx/>
+                          <a:latin typeface="Open Sans" panose="020B0606030504020204" pitchFamily="34" charset="0"/>
+                          <a:ea typeface="Open Sans" panose="020B0606030504020204" pitchFamily="34" charset="0"/>
+                          <a:cs typeface="Open Sans" panose="020B0606030504020204" pitchFamily="34" charset="0"/>
                           <a:sym typeface="Arial"/>
                         </a:rPr>
                         <a:t>Inconsistency</a:t>
@@ -17585,6 +17650,9 @@
                           </a:solidFill>
                           <a:effectLst/>
                           <a:uFillTx/>
+                          <a:latin typeface="Open Sans" panose="020B0606030504020204" pitchFamily="34" charset="0"/>
+                          <a:ea typeface="Open Sans" panose="020B0606030504020204" pitchFamily="34" charset="0"/>
+                          <a:cs typeface="Open Sans" panose="020B0606030504020204" pitchFamily="34" charset="0"/>
                           <a:sym typeface="Arial"/>
                         </a:rPr>
                         <a:t>deceased_indicator</a:t>
@@ -17599,6 +17667,9 @@
                           </a:solidFill>
                           <a:effectLst/>
                           <a:uFillTx/>
+                          <a:latin typeface="Open Sans" panose="020B0606030504020204" pitchFamily="34" charset="0"/>
+                          <a:ea typeface="Open Sans" panose="020B0606030504020204" pitchFamily="34" charset="0"/>
+                          <a:cs typeface="Open Sans" panose="020B0606030504020204" pitchFamily="34" charset="0"/>
                           <a:sym typeface="Arial"/>
                         </a:rPr>
                         <a:t>:</a:t>
@@ -17616,6 +17687,9 @@
                           </a:solidFill>
                           <a:effectLst/>
                           <a:uFillTx/>
+                          <a:latin typeface="Open Sans" panose="020B0606030504020204" pitchFamily="34" charset="0"/>
+                          <a:ea typeface="Open Sans" panose="020B0606030504020204" pitchFamily="34" charset="0"/>
+                          <a:cs typeface="Open Sans" panose="020B0606030504020204" pitchFamily="34" charset="0"/>
                           <a:sym typeface="Arial"/>
                         </a:rPr>
                         <a:t>Filter out</a:t>
@@ -17648,6 +17722,9 @@
                           </a:solidFill>
                           <a:effectLst/>
                           <a:uFillTx/>
+                          <a:latin typeface="Open Sans" panose="020B0606030504020204" pitchFamily="34" charset="0"/>
+                          <a:ea typeface="Open Sans" panose="020B0606030504020204" pitchFamily="34" charset="0"/>
+                          <a:cs typeface="Open Sans" panose="020B0606030504020204" pitchFamily="34" charset="0"/>
                           <a:sym typeface="Arial"/>
                         </a:rPr>
                         <a:t>default column:</a:t>
@@ -17665,6 +17742,9 @@
                           </a:solidFill>
                           <a:effectLst/>
                           <a:uFillTx/>
+                          <a:latin typeface="Open Sans" panose="020B0606030504020204" pitchFamily="34" charset="0"/>
+                          <a:ea typeface="Open Sans" panose="020B0606030504020204" pitchFamily="34" charset="0"/>
+                          <a:cs typeface="Open Sans" panose="020B0606030504020204" pitchFamily="34" charset="0"/>
                           <a:sym typeface="Arial"/>
                         </a:rPr>
                         <a:t>Delete</a:t>
@@ -17716,6 +17796,9 @@
                           </a:solidFill>
                           <a:effectLst/>
                           <a:uFillTx/>
+                          <a:latin typeface="Open Sans" panose="020B0606030504020204" pitchFamily="34" charset="0"/>
+                          <a:ea typeface="Open Sans" panose="020B0606030504020204" pitchFamily="34" charset="0"/>
+                          <a:cs typeface="Open Sans" panose="020B0606030504020204" pitchFamily="34" charset="0"/>
                           <a:sym typeface="Arial"/>
                         </a:rPr>
                         <a:t>Customer Address</a:t>
@@ -17778,6 +17861,9 @@
                           </a:solidFill>
                           <a:effectLst/>
                           <a:uFillTx/>
+                          <a:latin typeface="Open Sans" panose="020B0606030504020204" pitchFamily="34" charset="0"/>
+                          <a:ea typeface="Open Sans" panose="020B0606030504020204" pitchFamily="34" charset="0"/>
+                          <a:cs typeface="Open Sans" panose="020B0606030504020204" pitchFamily="34" charset="0"/>
                           <a:sym typeface="Arial"/>
                         </a:rPr>
                         <a:t>state:</a:t>
@@ -17795,6 +17881,9 @@
                           </a:solidFill>
                           <a:effectLst/>
                           <a:uFillTx/>
+                          <a:latin typeface="Open Sans" panose="020B0606030504020204" pitchFamily="34" charset="0"/>
+                          <a:ea typeface="Open Sans" panose="020B0606030504020204" pitchFamily="34" charset="0"/>
+                          <a:cs typeface="Open Sans" panose="020B0606030504020204" pitchFamily="34" charset="0"/>
                           <a:sym typeface="Arial"/>
                         </a:rPr>
                         <a:t>Inconsistency</a:t>
@@ -17879,6 +17968,9 @@
                       <a:r>
                         <a:rPr lang="en-US" sz="1200" b="1" kern="100" dirty="0">
                           <a:effectLst/>
+                          <a:latin typeface="Open Sans" panose="020B0606030504020204" pitchFamily="34" charset="0"/>
+                          <a:ea typeface="Open Sans" panose="020B0606030504020204" pitchFamily="34" charset="0"/>
+                          <a:cs typeface="Open Sans" panose="020B0606030504020204" pitchFamily="34" charset="0"/>
                         </a:rPr>
                         <a:t>Transactions</a:t>
                       </a:r>
@@ -17911,6 +18003,9 @@
                           </a:solidFill>
                           <a:effectLst/>
                           <a:uFillTx/>
+                          <a:latin typeface="Open Sans" panose="020B0606030504020204" pitchFamily="34" charset="0"/>
+                          <a:ea typeface="Open Sans" panose="020B0606030504020204" pitchFamily="34" charset="0"/>
+                          <a:cs typeface="Open Sans" panose="020B0606030504020204" pitchFamily="34" charset="0"/>
                           <a:sym typeface="Arial"/>
                         </a:rPr>
                         <a:t>profit:</a:t>
@@ -17928,6 +18023,9 @@
                           </a:solidFill>
                           <a:effectLst/>
                           <a:uFillTx/>
+                          <a:latin typeface="Open Sans" panose="020B0606030504020204" pitchFamily="34" charset="0"/>
+                          <a:ea typeface="Open Sans" panose="020B0606030504020204" pitchFamily="34" charset="0"/>
+                          <a:cs typeface="Open Sans" panose="020B0606030504020204" pitchFamily="34" charset="0"/>
                           <a:sym typeface="Arial"/>
                         </a:rPr>
                         <a:t>Missing</a:t>
@@ -17960,6 +18058,9 @@
                           </a:solidFill>
                           <a:effectLst/>
                           <a:uFillTx/>
+                          <a:latin typeface="Open Sans" panose="020B0606030504020204" pitchFamily="34" charset="0"/>
+                          <a:ea typeface="Open Sans" panose="020B0606030504020204" pitchFamily="34" charset="0"/>
+                          <a:cs typeface="Open Sans" panose="020B0606030504020204" pitchFamily="34" charset="0"/>
                           <a:sym typeface="Arial"/>
                         </a:rPr>
                         <a:t>online_order</a:t>
@@ -17974,6 +18075,9 @@
                           </a:solidFill>
                           <a:effectLst/>
                           <a:uFillTx/>
+                          <a:latin typeface="Open Sans" panose="020B0606030504020204" pitchFamily="34" charset="0"/>
+                          <a:ea typeface="Open Sans" panose="020B0606030504020204" pitchFamily="34" charset="0"/>
+                          <a:cs typeface="Open Sans" panose="020B0606030504020204" pitchFamily="34" charset="0"/>
                           <a:sym typeface="Arial"/>
                         </a:rPr>
                         <a:t>:</a:t>
@@ -17991,6 +18095,9 @@
                           </a:solidFill>
                           <a:effectLst/>
                           <a:uFillTx/>
+                          <a:latin typeface="Open Sans" panose="020B0606030504020204" pitchFamily="34" charset="0"/>
+                          <a:ea typeface="Open Sans" panose="020B0606030504020204" pitchFamily="34" charset="0"/>
+                          <a:cs typeface="Open Sans" panose="020B0606030504020204" pitchFamily="34" charset="0"/>
                           <a:sym typeface="Arial"/>
                         </a:rPr>
                         <a:t>Blanks</a:t>
@@ -18011,6 +18118,9 @@
                           </a:solidFill>
                           <a:effectLst/>
                           <a:uFillTx/>
+                          <a:latin typeface="Open Sans" panose="020B0606030504020204" pitchFamily="34" charset="0"/>
+                          <a:ea typeface="Open Sans" panose="020B0606030504020204" pitchFamily="34" charset="0"/>
+                          <a:cs typeface="Open Sans" panose="020B0606030504020204" pitchFamily="34" charset="0"/>
                           <a:sym typeface="Arial"/>
                         </a:rPr>
                         <a:t>brand: Blanks</a:t>
@@ -18076,6 +18186,9 @@
                           </a:solidFill>
                           <a:effectLst/>
                           <a:uFillTx/>
+                          <a:latin typeface="Open Sans" panose="020B0606030504020204" pitchFamily="34" charset="0"/>
+                          <a:ea typeface="Open Sans" panose="020B0606030504020204" pitchFamily="34" charset="0"/>
+                          <a:cs typeface="Open Sans" panose="020B0606030504020204" pitchFamily="34" charset="0"/>
                           <a:sym typeface="Arial"/>
                         </a:rPr>
                         <a:t>order_status</a:t>
@@ -18090,6 +18203,9 @@
                           </a:solidFill>
                           <a:effectLst/>
                           <a:uFillTx/>
+                          <a:latin typeface="Open Sans" panose="020B0606030504020204" pitchFamily="34" charset="0"/>
+                          <a:ea typeface="Open Sans" panose="020B0606030504020204" pitchFamily="34" charset="0"/>
+                          <a:cs typeface="Open Sans" panose="020B0606030504020204" pitchFamily="34" charset="0"/>
                           <a:sym typeface="Arial"/>
                         </a:rPr>
                         <a:t>:</a:t>
@@ -18107,11 +18223,18 @@
                           </a:solidFill>
                           <a:effectLst/>
                           <a:uFillTx/>
+                          <a:latin typeface="Open Sans" panose="020B0606030504020204" pitchFamily="34" charset="0"/>
+                          <a:ea typeface="Open Sans" panose="020B0606030504020204" pitchFamily="34" charset="0"/>
+                          <a:cs typeface="Open Sans" panose="020B0606030504020204" pitchFamily="34" charset="0"/>
                           <a:sym typeface="Arial"/>
                         </a:rPr>
                         <a:t>Cancelled filtered out</a:t>
                       </a:r>
-                      <a:endParaRPr lang="en-US" sz="1200" dirty="0"/>
+                      <a:endParaRPr lang="en-US" sz="1200" dirty="0">
+                        <a:latin typeface="Open Sans" panose="020B0606030504020204" pitchFamily="34" charset="0"/>
+                        <a:ea typeface="Open Sans" panose="020B0606030504020204" pitchFamily="34" charset="0"/>
+                        <a:cs typeface="Open Sans" panose="020B0606030504020204" pitchFamily="34" charset="0"/>
+                      </a:endParaRPr>
                     </a:p>
                     <a:p>
                       <a:pPr algn="l"/>
@@ -18143,6 +18266,9 @@
                           </a:solidFill>
                           <a:effectLst/>
                           <a:uFillTx/>
+                          <a:latin typeface="Open Sans" panose="020B0606030504020204" pitchFamily="34" charset="0"/>
+                          <a:ea typeface="Open Sans" panose="020B0606030504020204" pitchFamily="34" charset="0"/>
+                          <a:cs typeface="Open Sans" panose="020B0606030504020204" pitchFamily="34" charset="0"/>
                           <a:sym typeface="Arial"/>
                         </a:rPr>
                         <a:t>list_price</a:t>
@@ -18157,6 +18283,9 @@
                           </a:solidFill>
                           <a:effectLst/>
                           <a:uFillTx/>
+                          <a:latin typeface="Open Sans" panose="020B0606030504020204" pitchFamily="34" charset="0"/>
+                          <a:ea typeface="Open Sans" panose="020B0606030504020204" pitchFamily="34" charset="0"/>
+                          <a:cs typeface="Open Sans" panose="020B0606030504020204" pitchFamily="34" charset="0"/>
                           <a:sym typeface="Arial"/>
                         </a:rPr>
                         <a:t>: format</a:t>
@@ -18177,6 +18306,9 @@
                           </a:solidFill>
                           <a:effectLst/>
                           <a:uFillTx/>
+                          <a:latin typeface="Open Sans" panose="020B0606030504020204" pitchFamily="34" charset="0"/>
+                          <a:ea typeface="Open Sans" panose="020B0606030504020204" pitchFamily="34" charset="0"/>
+                          <a:cs typeface="Open Sans" panose="020B0606030504020204" pitchFamily="34" charset="0"/>
                           <a:sym typeface="Arial"/>
                         </a:rPr>
                         <a:t>product_first_sold_date</a:t>
@@ -18191,6 +18323,9 @@
                           </a:solidFill>
                           <a:effectLst/>
                           <a:uFillTx/>
+                          <a:latin typeface="Open Sans" panose="020B0606030504020204" pitchFamily="34" charset="0"/>
+                          <a:ea typeface="Open Sans" panose="020B0606030504020204" pitchFamily="34" charset="0"/>
+                          <a:cs typeface="Open Sans" panose="020B0606030504020204" pitchFamily="34" charset="0"/>
                           <a:sym typeface="Arial"/>
                         </a:rPr>
                         <a:t>: format</a:t>
@@ -18516,7 +18651,7 @@
           <p:nvPr>
             <p:extLst>
               <p:ext uri="{D42A27DB-BD31-4B8C-83A1-F6EECF244321}">
-                <p14:modId xmlns:p14="http://schemas.microsoft.com/office/powerpoint/2010/main" val="326192156"/>
+                <p14:modId xmlns:p14="http://schemas.microsoft.com/office/powerpoint/2010/main" val="2775824609"/>
               </p:ext>
             </p:extLst>
           </p:nvPr>
@@ -18798,7 +18933,7 @@
           <p:nvPr>
             <p:extLst>
               <p:ext uri="{D42A27DB-BD31-4B8C-83A1-F6EECF244321}">
-                <p14:modId xmlns:p14="http://schemas.microsoft.com/office/powerpoint/2010/main" val="1074458475"/>
+                <p14:modId xmlns:p14="http://schemas.microsoft.com/office/powerpoint/2010/main" val="3904754867"/>
               </p:ext>
             </p:extLst>
           </p:nvPr>
@@ -19120,7 +19255,7 @@
           <p:nvPr>
             <p:extLst>
               <p:ext uri="{D42A27DB-BD31-4B8C-83A1-F6EECF244321}">
-                <p14:modId xmlns:p14="http://schemas.microsoft.com/office/powerpoint/2010/main" val="125824945"/>
+                <p14:modId xmlns:p14="http://schemas.microsoft.com/office/powerpoint/2010/main" val="1714753123"/>
               </p:ext>
             </p:extLst>
           </p:nvPr>
@@ -19373,7 +19508,7 @@
                 <a:ea typeface="Open Sans" panose="020B0606030504020204" pitchFamily="34" charset="0"/>
                 <a:cs typeface="Open Sans" panose="020B0606030504020204" pitchFamily="34" charset="0"/>
               </a:rPr>
-              <a:t>Most of the Bike related purchases are from customers of NSW who own cars, NSW also has the highest population of customers of 10272.</a:t>
+              <a:t>Most of the Bike related purchases are from customers of NSW who own cars, NSW also has the highest population of customers of 10364.</a:t>
             </a:r>
           </a:p>
           <a:p>
@@ -19445,7 +19580,7 @@
           <p:nvPr>
             <p:extLst>
               <p:ext uri="{D42A27DB-BD31-4B8C-83A1-F6EECF244321}">
-                <p14:modId xmlns:p14="http://schemas.microsoft.com/office/powerpoint/2010/main" val="4045068005"/>
+                <p14:modId xmlns:p14="http://schemas.microsoft.com/office/powerpoint/2010/main" val="2275294220"/>
               </p:ext>
             </p:extLst>
           </p:nvPr>
@@ -19475,7 +19610,7 @@
           <p:nvPr>
             <p:extLst>
               <p:ext uri="{D42A27DB-BD31-4B8C-83A1-F6EECF244321}">
-                <p14:modId xmlns:p14="http://schemas.microsoft.com/office/powerpoint/2010/main" val="434665507"/>
+                <p14:modId xmlns:p14="http://schemas.microsoft.com/office/powerpoint/2010/main" val="919857431"/>
               </p:ext>
             </p:extLst>
           </p:nvPr>
@@ -19774,7 +19909,7 @@
           <p:nvPr>
             <p:extLst>
               <p:ext uri="{D42A27DB-BD31-4B8C-83A1-F6EECF244321}">
-                <p14:modId xmlns:p14="http://schemas.microsoft.com/office/powerpoint/2010/main" val="2370579190"/>
+                <p14:modId xmlns:p14="http://schemas.microsoft.com/office/powerpoint/2010/main" val="3927919607"/>
               </p:ext>
             </p:extLst>
           </p:nvPr>
@@ -19804,7 +19939,7 @@
           <p:nvPr>
             <p:extLst>
               <p:ext uri="{D42A27DB-BD31-4B8C-83A1-F6EECF244321}">
-                <p14:modId xmlns:p14="http://schemas.microsoft.com/office/powerpoint/2010/main" val="869141952"/>
+                <p14:modId xmlns:p14="http://schemas.microsoft.com/office/powerpoint/2010/main" val="2488527088"/>
               </p:ext>
             </p:extLst>
           </p:nvPr>
